--- a/B2lab3/lecture3b_bl2.pptx
+++ b/B2lab3/lecture3b_bl2.pptx
@@ -2,48 +2,48 @@
 <file path=ppt/presentation.xml><?xml version="1.0" encoding="utf-8"?>
 <p:presentation xmlns:a="http://schemas.openxmlformats.org/drawingml/2006/main" xmlns:r="http://schemas.openxmlformats.org/officeDocument/2006/relationships" xmlns:p="http://schemas.openxmlformats.org/presentationml/2006/main" saveSubsetFonts="1">
   <p:sldMasterIdLst>
-    <p:sldMasterId id="2147483674" r:id="rId1"/>
+    <p:sldMasterId id="2147483674" r:id="rId4"/>
   </p:sldMasterIdLst>
   <p:notesMasterIdLst>
-    <p:notesMasterId r:id="rId35"/>
+    <p:notesMasterId r:id="rId38"/>
   </p:notesMasterIdLst>
   <p:handoutMasterIdLst>
-    <p:handoutMasterId r:id="rId36"/>
+    <p:handoutMasterId r:id="rId39"/>
   </p:handoutMasterIdLst>
   <p:sldIdLst>
-    <p:sldId id="295" r:id="rId2"/>
-    <p:sldId id="317" r:id="rId3"/>
-    <p:sldId id="318" r:id="rId4"/>
-    <p:sldId id="319" r:id="rId5"/>
-    <p:sldId id="320" r:id="rId6"/>
-    <p:sldId id="321" r:id="rId7"/>
-    <p:sldId id="322" r:id="rId8"/>
-    <p:sldId id="324" r:id="rId9"/>
-    <p:sldId id="325" r:id="rId10"/>
-    <p:sldId id="326" r:id="rId11"/>
-    <p:sldId id="327" r:id="rId12"/>
-    <p:sldId id="328" r:id="rId13"/>
-    <p:sldId id="329" r:id="rId14"/>
-    <p:sldId id="330" r:id="rId15"/>
-    <p:sldId id="331" r:id="rId16"/>
-    <p:sldId id="332" r:id="rId17"/>
-    <p:sldId id="333" r:id="rId18"/>
-    <p:sldId id="334" r:id="rId19"/>
-    <p:sldId id="335" r:id="rId20"/>
-    <p:sldId id="336" r:id="rId21"/>
-    <p:sldId id="337" r:id="rId22"/>
-    <p:sldId id="338" r:id="rId23"/>
-    <p:sldId id="339" r:id="rId24"/>
-    <p:sldId id="340" r:id="rId25"/>
-    <p:sldId id="347" r:id="rId26"/>
-    <p:sldId id="348" r:id="rId27"/>
-    <p:sldId id="349" r:id="rId28"/>
-    <p:sldId id="341" r:id="rId29"/>
-    <p:sldId id="342" r:id="rId30"/>
-    <p:sldId id="345" r:id="rId31"/>
-    <p:sldId id="343" r:id="rId32"/>
-    <p:sldId id="344" r:id="rId33"/>
-    <p:sldId id="346" r:id="rId34"/>
+    <p:sldId id="295" r:id="rId5"/>
+    <p:sldId id="317" r:id="rId6"/>
+    <p:sldId id="318" r:id="rId7"/>
+    <p:sldId id="319" r:id="rId8"/>
+    <p:sldId id="320" r:id="rId9"/>
+    <p:sldId id="321" r:id="rId10"/>
+    <p:sldId id="322" r:id="rId11"/>
+    <p:sldId id="324" r:id="rId12"/>
+    <p:sldId id="325" r:id="rId13"/>
+    <p:sldId id="326" r:id="rId14"/>
+    <p:sldId id="327" r:id="rId15"/>
+    <p:sldId id="328" r:id="rId16"/>
+    <p:sldId id="329" r:id="rId17"/>
+    <p:sldId id="330" r:id="rId18"/>
+    <p:sldId id="331" r:id="rId19"/>
+    <p:sldId id="332" r:id="rId20"/>
+    <p:sldId id="333" r:id="rId21"/>
+    <p:sldId id="334" r:id="rId22"/>
+    <p:sldId id="335" r:id="rId23"/>
+    <p:sldId id="336" r:id="rId24"/>
+    <p:sldId id="337" r:id="rId25"/>
+    <p:sldId id="338" r:id="rId26"/>
+    <p:sldId id="339" r:id="rId27"/>
+    <p:sldId id="340" r:id="rId28"/>
+    <p:sldId id="347" r:id="rId29"/>
+    <p:sldId id="348" r:id="rId30"/>
+    <p:sldId id="349" r:id="rId31"/>
+    <p:sldId id="341" r:id="rId32"/>
+    <p:sldId id="342" r:id="rId33"/>
+    <p:sldId id="345" r:id="rId34"/>
+    <p:sldId id="343" r:id="rId35"/>
+    <p:sldId id="344" r:id="rId36"/>
+    <p:sldId id="346" r:id="rId37"/>
   </p:sldIdLst>
   <p:sldSz cx="9144000" cy="6858000" type="screen4x3"/>
   <p:notesSz cx="9144000" cy="6858000"/>
@@ -6103,8 +6103,8 @@
           </a:p>
         </p:txBody>
       </p:sp>
-      <mc:AlternateContent xmlns:mc="http://schemas.openxmlformats.org/markup-compatibility/2006">
-        <mc:Choice xmlns:a14="http://schemas.microsoft.com/office/drawing/2010/main" Requires="a14">
+      <mc:AlternateContent xmlns:mc="http://schemas.openxmlformats.org/markup-compatibility/2006" xmlns:a14="http://schemas.microsoft.com/office/drawing/2010/main">
+        <mc:Choice Requires="a14">
           <p:sp>
             <p:nvSpPr>
               <p:cNvPr id="3" name="Platshållare för innehåll 2"/>
@@ -6165,7 +6165,7 @@
             </p:txBody>
           </p:sp>
         </mc:Choice>
-        <mc:Fallback>
+        <mc:Fallback xmlns="">
           <p:sp>
             <p:nvSpPr>
               <p:cNvPr id="3" name="Platshållare för innehåll 2"/>
@@ -6329,21 +6329,21 @@
                 <a:gridCol w="1078165">
                   <a:extLst>
                     <a:ext uri="{9D8B030D-6E8A-4147-A177-3AD203B41FA5}">
-                      <a16:colId xmlns:a16="http://schemas.microsoft.com/office/drawing/2014/main" val="3295775704"/>
+                      <a16:colId xmlns:a16="http://schemas.microsoft.com/office/drawing/2014/main" xmlns="" val="3295775704"/>
                     </a:ext>
                   </a:extLst>
                 </a:gridCol>
                 <a:gridCol w="1078165">
                   <a:extLst>
                     <a:ext uri="{9D8B030D-6E8A-4147-A177-3AD203B41FA5}">
-                      <a16:colId xmlns:a16="http://schemas.microsoft.com/office/drawing/2014/main" val="780722560"/>
+                      <a16:colId xmlns:a16="http://schemas.microsoft.com/office/drawing/2014/main" xmlns="" val="780722560"/>
                     </a:ext>
                   </a:extLst>
                 </a:gridCol>
                 <a:gridCol w="1078165">
                   <a:extLst>
                     <a:ext uri="{9D8B030D-6E8A-4147-A177-3AD203B41FA5}">
-                      <a16:colId xmlns:a16="http://schemas.microsoft.com/office/drawing/2014/main" val="3227335373"/>
+                      <a16:colId xmlns:a16="http://schemas.microsoft.com/office/drawing/2014/main" xmlns="" val="3227335373"/>
                     </a:ext>
                   </a:extLst>
                 </a:gridCol>
@@ -6395,7 +6395,7 @@
                 </a:tc>
                 <a:extLst>
                   <a:ext uri="{0D108BD9-81ED-4DB2-BD59-A6C34878D82A}">
-                    <a16:rowId xmlns:a16="http://schemas.microsoft.com/office/drawing/2014/main" val="1677710914"/>
+                    <a16:rowId xmlns:a16="http://schemas.microsoft.com/office/drawing/2014/main" xmlns="" val="1677710914"/>
                   </a:ext>
                 </a:extLst>
               </a:tr>
@@ -6445,7 +6445,7 @@
                 </a:tc>
                 <a:extLst>
                   <a:ext uri="{0D108BD9-81ED-4DB2-BD59-A6C34878D82A}">
-                    <a16:rowId xmlns:a16="http://schemas.microsoft.com/office/drawing/2014/main" val="2609794414"/>
+                    <a16:rowId xmlns:a16="http://schemas.microsoft.com/office/drawing/2014/main" xmlns="" val="2609794414"/>
                   </a:ext>
                 </a:extLst>
               </a:tr>
@@ -6496,7 +6496,7 @@
                 </a:tc>
                 <a:extLst>
                   <a:ext uri="{0D108BD9-81ED-4DB2-BD59-A6C34878D82A}">
-                    <a16:rowId xmlns:a16="http://schemas.microsoft.com/office/drawing/2014/main" val="4212676796"/>
+                    <a16:rowId xmlns:a16="http://schemas.microsoft.com/office/drawing/2014/main" xmlns="" val="4212676796"/>
                   </a:ext>
                 </a:extLst>
               </a:tr>
@@ -6746,7 +6746,7 @@
                               <a:solidFill>
                                 <a:schemeClr val="tx1"/>
                               </a:solidFill>
-                              <a:latin typeface="Cambria Math" panose="02040503050406030204" pitchFamily="18" charset="0"/>
+                              <a:latin typeface="Cambria Math" charset="0"/>
                             </a:rPr>
                           </m:ctrlPr>
                         </m:accPr>
@@ -6772,7 +6772,7 @@
                               <a:solidFill>
                                 <a:schemeClr val="tx1"/>
                               </a:solidFill>
-                              <a:latin typeface="Cambria Math" panose="02040503050406030204" pitchFamily="18" charset="0"/>
+                              <a:latin typeface="Cambria Math" charset="0"/>
                             </a:rPr>
                           </m:ctrlPr>
                         </m:dPr>
@@ -6811,7 +6811,7 @@
                           <m:chr m:val="̂"/>
                           <m:ctrlPr>
                             <a:rPr lang="sv-SE" i="1">
-                              <a:latin typeface="Cambria Math" panose="02040503050406030204" pitchFamily="18" charset="0"/>
+                              <a:latin typeface="Cambria Math" charset="0"/>
                             </a:rPr>
                           </m:ctrlPr>
                         </m:accPr>
@@ -6837,7 +6837,7 @@
                         <m:dPr>
                           <m:ctrlPr>
                             <a:rPr lang="sv-SE" b="0" i="1" smtClean="0">
-                              <a:latin typeface="Cambria Math" panose="02040503050406030204" pitchFamily="18" charset="0"/>
+                              <a:latin typeface="Cambria Math" charset="0"/>
                             </a:rPr>
                           </m:ctrlPr>
                         </m:dPr>
@@ -6873,7 +6873,7 @@
                           <m:chr m:val="̂"/>
                           <m:ctrlPr>
                             <a:rPr lang="sv-SE" i="1">
-                              <a:latin typeface="Cambria Math" panose="02040503050406030204" pitchFamily="18" charset="0"/>
+                              <a:latin typeface="Cambria Math" charset="0"/>
                             </a:rPr>
                           </m:ctrlPr>
                         </m:accPr>
@@ -7208,7 +7208,7 @@
                         <m:sSubPr>
                           <m:ctrlPr>
                             <a:rPr lang="sv-SE" sz="2400" i="1">
-                              <a:latin typeface="Cambria Math" panose="02040503050406030204" pitchFamily="18" charset="0"/>
+                              <a:latin typeface="Cambria Math" charset="0"/>
                             </a:rPr>
                           </m:ctrlPr>
                         </m:sSubPr>
@@ -7251,7 +7251,7 @@
                         <m:fPr>
                           <m:ctrlPr>
                             <a:rPr lang="sv-SE" sz="2400" b="1" i="1">
-                              <a:latin typeface="Cambria Math" panose="02040503050406030204" pitchFamily="18" charset="0"/>
+                              <a:latin typeface="Cambria Math" charset="0"/>
                             </a:rPr>
                           </m:ctrlPr>
                         </m:fPr>
@@ -7260,7 +7260,7 @@
                             <m:sSupPr>
                               <m:ctrlPr>
                                 <a:rPr lang="sv-SE" sz="2400" i="1">
-                                  <a:latin typeface="Cambria Math" panose="02040503050406030204" pitchFamily="18" charset="0"/>
+                                  <a:latin typeface="Cambria Math" charset="0"/>
                                 </a:rPr>
                               </m:ctrlPr>
                             </m:sSupPr>
@@ -7277,7 +7277,7 @@
                                 <m:sSubSupPr>
                                   <m:ctrlPr>
                                     <a:rPr lang="sv-SE" sz="2400" i="1">
-                                      <a:latin typeface="Cambria Math" panose="02040503050406030204" pitchFamily="18" charset="0"/>
+                                      <a:latin typeface="Cambria Math" charset="0"/>
                                     </a:rPr>
                                   </m:ctrlPr>
                                 </m:sSubSupPr>
@@ -7286,7 +7286,7 @@
                                     <m:sSubPr>
                                       <m:ctrlPr>
                                         <a:rPr lang="sv-SE" sz="2400" i="1" smtClean="0">
-                                          <a:latin typeface="Cambria Math" panose="02040503050406030204" pitchFamily="18" charset="0"/>
+                                          <a:latin typeface="Cambria Math" charset="0"/>
                                         </a:rPr>
                                       </m:ctrlPr>
                                     </m:sSubPr>
@@ -7358,7 +7358,7 @@
                               <m:chr m:val="∑"/>
                               <m:ctrlPr>
                                 <a:rPr lang="sv-SE" sz="2400" i="1">
-                                  <a:latin typeface="Cambria Math" panose="02040503050406030204" pitchFamily="18" charset="0"/>
+                                  <a:latin typeface="Cambria Math" charset="0"/>
                                 </a:rPr>
                               </m:ctrlPr>
                             </m:naryPr>
@@ -7392,7 +7392,7 @@
                                 <m:sSupPr>
                                   <m:ctrlPr>
                                     <a:rPr lang="sv-SE" sz="2400" i="1">
-                                      <a:latin typeface="Cambria Math" panose="02040503050406030204" pitchFamily="18" charset="0"/>
+                                      <a:latin typeface="Cambria Math" charset="0"/>
                                     </a:rPr>
                                   </m:ctrlPr>
                                 </m:sSupPr>
@@ -7409,7 +7409,7 @@
                                     <m:sSubSupPr>
                                       <m:ctrlPr>
                                         <a:rPr lang="sv-SE" sz="2400" i="1">
-                                          <a:latin typeface="Cambria Math" panose="02040503050406030204" pitchFamily="18" charset="0"/>
+                                          <a:latin typeface="Cambria Math" charset="0"/>
                                         </a:rPr>
                                       </m:ctrlPr>
                                     </m:sSubSupPr>
@@ -7418,7 +7418,7 @@
                                         <m:sSubPr>
                                           <m:ctrlPr>
                                             <a:rPr lang="sv-SE" sz="2400" b="0" i="1" smtClean="0">
-                                              <a:latin typeface="Cambria Math" panose="02040503050406030204" pitchFamily="18" charset="0"/>
+                                              <a:latin typeface="Cambria Math" charset="0"/>
                                             </a:rPr>
                                           </m:ctrlPr>
                                         </m:sSubPr>
@@ -7509,7 +7509,7 @@
                         <m:sSubPr>
                           <m:ctrlPr>
                             <a:rPr lang="sv-SE" sz="2400" i="1" smtClean="0">
-                              <a:latin typeface="Cambria Math" panose="02040503050406030204" pitchFamily="18" charset="0"/>
+                              <a:latin typeface="Cambria Math" charset="0"/>
                             </a:rPr>
                           </m:ctrlPr>
                         </m:sSubPr>
@@ -7546,7 +7546,7 @@
                         <m:sSubSupPr>
                           <m:ctrlPr>
                             <a:rPr lang="sv-SE" sz="2400" b="1" i="1">
-                              <a:latin typeface="Cambria Math" panose="02040503050406030204" pitchFamily="18" charset="0"/>
+                              <a:latin typeface="Cambria Math" charset="0"/>
                             </a:rPr>
                           </m:ctrlPr>
                         </m:sSubSupPr>
@@ -7628,7 +7628,7 @@
                         <m:funcPr>
                           <m:ctrlPr>
                             <a:rPr lang="sv-SE" sz="2400" b="0" i="1" smtClean="0">
-                              <a:latin typeface="Cambria Math" panose="02040503050406030204" pitchFamily="18" charset="0"/>
+                              <a:latin typeface="Cambria Math" charset="0"/>
                             </a:rPr>
                           </m:ctrlPr>
                         </m:funcPr>
@@ -7637,7 +7637,7 @@
                             <m:limLowPr>
                               <m:ctrlPr>
                                 <a:rPr lang="sv-SE" sz="2400" b="0" i="1" smtClean="0">
-                                  <a:latin typeface="Cambria Math" panose="02040503050406030204" pitchFamily="18" charset="0"/>
+                                  <a:latin typeface="Cambria Math" charset="0"/>
                                 </a:rPr>
                               </m:ctrlPr>
                             </m:limLowPr>
@@ -7668,7 +7668,7 @@
                               <m:chr m:val="∑"/>
                               <m:ctrlPr>
                                 <a:rPr lang="sv-SE" sz="2400" b="0" i="1" smtClean="0">
-                                  <a:latin typeface="Cambria Math" panose="02040503050406030204" pitchFamily="18" charset="0"/>
+                                  <a:latin typeface="Cambria Math" charset="0"/>
                                 </a:rPr>
                               </m:ctrlPr>
                             </m:naryPr>
@@ -7699,7 +7699,7 @@
                                 <m:funcPr>
                                   <m:ctrlPr>
                                     <a:rPr lang="sv-SE" sz="2400" b="0" i="1" smtClean="0">
-                                      <a:latin typeface="Cambria Math" panose="02040503050406030204" pitchFamily="18" charset="0"/>
+                                      <a:latin typeface="Cambria Math" charset="0"/>
                                     </a:rPr>
                                   </m:ctrlPr>
                                 </m:funcPr>
@@ -7731,7 +7731,7 @@
                                     <m:sSubPr>
                                       <m:ctrlPr>
                                         <a:rPr lang="sv-SE" sz="2400" b="0" i="1" smtClean="0">
-                                          <a:latin typeface="Cambria Math" panose="02040503050406030204" pitchFamily="18" charset="0"/>
+                                          <a:latin typeface="Cambria Math" charset="0"/>
                                         </a:rPr>
                                       </m:ctrlPr>
                                     </m:sSubPr>
@@ -7762,7 +7762,7 @@
                                     <m:sSubPr>
                                       <m:ctrlPr>
                                         <a:rPr lang="sv-SE" sz="2400" b="0" i="1" smtClean="0">
-                                          <a:latin typeface="Cambria Math" panose="02040503050406030204" pitchFamily="18" charset="0"/>
+                                          <a:latin typeface="Cambria Math" charset="0"/>
                                         </a:rPr>
                                       </m:ctrlPr>
                                     </m:sSubPr>
@@ -7803,7 +7803,7 @@
                             <m:fPr>
                               <m:ctrlPr>
                                 <a:rPr lang="sv-SE" sz="2400" b="0" i="1" smtClean="0">
-                                  <a:latin typeface="Cambria Math" panose="02040503050406030204" pitchFamily="18" charset="0"/>
+                                  <a:latin typeface="Cambria Math" charset="0"/>
                                 </a:rPr>
                               </m:ctrlPr>
                             </m:fPr>
@@ -7829,7 +7829,7 @@
                               <m:chr m:val="∑"/>
                               <m:ctrlPr>
                                 <a:rPr lang="sv-SE" sz="2400" b="0" i="1" smtClean="0">
-                                  <a:latin typeface="Cambria Math" panose="02040503050406030204" pitchFamily="18" charset="0"/>
+                                  <a:latin typeface="Cambria Math" charset="0"/>
                                 </a:rPr>
                               </m:ctrlPr>
                             </m:naryPr>
@@ -7860,7 +7860,7 @@
                                 <m:sSupPr>
                                   <m:ctrlPr>
                                     <a:rPr lang="sv-SE" sz="2400" b="0" i="1" smtClean="0">
-                                      <a:latin typeface="Cambria Math" panose="02040503050406030204" pitchFamily="18" charset="0"/>
+                                      <a:latin typeface="Cambria Math" charset="0"/>
                                     </a:rPr>
                                   </m:ctrlPr>
                                 </m:sSupPr>
@@ -7871,7 +7871,7 @@
                                       <m:endChr m:val="‖"/>
                                       <m:ctrlPr>
                                         <a:rPr lang="sv-SE" sz="2400" b="0" i="1" smtClean="0">
-                                          <a:latin typeface="Cambria Math" panose="02040503050406030204" pitchFamily="18" charset="0"/>
+                                          <a:latin typeface="Cambria Math" charset="0"/>
                                         </a:rPr>
                                       </m:ctrlPr>
                                     </m:dPr>
@@ -7880,7 +7880,7 @@
                                         <m:sSubPr>
                                           <m:ctrlPr>
                                             <a:rPr lang="sv-SE" sz="2400" b="0" i="1" smtClean="0">
-                                              <a:latin typeface="Cambria Math" panose="02040503050406030204" pitchFamily="18" charset="0"/>
+                                              <a:latin typeface="Cambria Math" charset="0"/>
                                             </a:rPr>
                                           </m:ctrlPr>
                                         </m:sSubPr>
@@ -8397,21 +8397,21 @@
                 <a:gridCol w="1078165">
                   <a:extLst>
                     <a:ext uri="{9D8B030D-6E8A-4147-A177-3AD203B41FA5}">
-                      <a16:colId xmlns:a16="http://schemas.microsoft.com/office/drawing/2014/main" val="3295775704"/>
+                      <a16:colId xmlns:a16="http://schemas.microsoft.com/office/drawing/2014/main" xmlns="" val="3295775704"/>
                     </a:ext>
                   </a:extLst>
                 </a:gridCol>
                 <a:gridCol w="1078165">
                   <a:extLst>
                     <a:ext uri="{9D8B030D-6E8A-4147-A177-3AD203B41FA5}">
-                      <a16:colId xmlns:a16="http://schemas.microsoft.com/office/drawing/2014/main" val="780722560"/>
+                      <a16:colId xmlns:a16="http://schemas.microsoft.com/office/drawing/2014/main" xmlns="" val="780722560"/>
                     </a:ext>
                   </a:extLst>
                 </a:gridCol>
                 <a:gridCol w="1078165">
                   <a:extLst>
                     <a:ext uri="{9D8B030D-6E8A-4147-A177-3AD203B41FA5}">
-                      <a16:colId xmlns:a16="http://schemas.microsoft.com/office/drawing/2014/main" val="3227335373"/>
+                      <a16:colId xmlns:a16="http://schemas.microsoft.com/office/drawing/2014/main" xmlns="" val="3227335373"/>
                     </a:ext>
                   </a:extLst>
                 </a:gridCol>
@@ -8463,7 +8463,7 @@
                 </a:tc>
                 <a:extLst>
                   <a:ext uri="{0D108BD9-81ED-4DB2-BD59-A6C34878D82A}">
-                    <a16:rowId xmlns:a16="http://schemas.microsoft.com/office/drawing/2014/main" val="1677710914"/>
+                    <a16:rowId xmlns:a16="http://schemas.microsoft.com/office/drawing/2014/main" xmlns="" val="1677710914"/>
                   </a:ext>
                 </a:extLst>
               </a:tr>
@@ -8513,7 +8513,7 @@
                 </a:tc>
                 <a:extLst>
                   <a:ext uri="{0D108BD9-81ED-4DB2-BD59-A6C34878D82A}">
-                    <a16:rowId xmlns:a16="http://schemas.microsoft.com/office/drawing/2014/main" val="2609794414"/>
+                    <a16:rowId xmlns:a16="http://schemas.microsoft.com/office/drawing/2014/main" xmlns="" val="2609794414"/>
                   </a:ext>
                 </a:extLst>
               </a:tr>
@@ -8564,7 +8564,7 @@
                 </a:tc>
                 <a:extLst>
                   <a:ext uri="{0D108BD9-81ED-4DB2-BD59-A6C34878D82A}">
-                    <a16:rowId xmlns:a16="http://schemas.microsoft.com/office/drawing/2014/main" val="4212676796"/>
+                    <a16:rowId xmlns:a16="http://schemas.microsoft.com/office/drawing/2014/main" xmlns="" val="4212676796"/>
                   </a:ext>
                 </a:extLst>
               </a:tr>
@@ -9020,7 +9020,7 @@
                       <m:sSupPr>
                         <m:ctrlPr>
                           <a:rPr lang="sv-SE" b="0" i="1" smtClean="0">
-                            <a:latin typeface="Cambria Math" panose="02040503050406030204" pitchFamily="18" charset="0"/>
+                            <a:latin typeface="Cambria Math" charset="0"/>
                           </a:rPr>
                         </m:ctrlPr>
                       </m:sSupPr>
@@ -9057,7 +9057,7 @@
                       <m:sSupPr>
                         <m:ctrlPr>
                           <a:rPr lang="sv-SE" b="0" i="1" smtClean="0">
-                            <a:latin typeface="Cambria Math" panose="02040503050406030204" pitchFamily="18" charset="0"/>
+                            <a:latin typeface="Cambria Math" charset="0"/>
                           </a:rPr>
                         </m:ctrlPr>
                       </m:sSupPr>
@@ -9480,7 +9480,7 @@
                         <m:funcPr>
                           <m:ctrlPr>
                             <a:rPr lang="sv-SE" sz="2400" b="0" i="1" smtClean="0">
-                              <a:latin typeface="Cambria Math" panose="02040503050406030204" pitchFamily="18" charset="0"/>
+                              <a:latin typeface="Cambria Math" charset="0"/>
                             </a:rPr>
                           </m:ctrlPr>
                         </m:funcPr>
@@ -9489,7 +9489,7 @@
                             <m:limLowPr>
                               <m:ctrlPr>
                                 <a:rPr lang="sv-SE" sz="2400" b="0" i="1" smtClean="0">
-                                  <a:latin typeface="Cambria Math" panose="02040503050406030204" pitchFamily="18" charset="0"/>
+                                  <a:latin typeface="Cambria Math" charset="0"/>
                                 </a:rPr>
                               </m:ctrlPr>
                             </m:limLowPr>
@@ -9525,7 +9525,7 @@
                             <m:funcPr>
                               <m:ctrlPr>
                                 <a:rPr lang="sv-SE" sz="2400" b="0" i="1" smtClean="0">
-                                  <a:latin typeface="Cambria Math" panose="02040503050406030204" pitchFamily="18" charset="0"/>
+                                  <a:latin typeface="Cambria Math" charset="0"/>
                                 </a:rPr>
                               </m:ctrlPr>
                             </m:funcPr>
@@ -9551,7 +9551,7 @@
                                 <m:dPr>
                                   <m:ctrlPr>
                                     <a:rPr lang="sv-SE" sz="2400" i="1">
-                                      <a:latin typeface="Cambria Math" panose="02040503050406030204" pitchFamily="18" charset="0"/>
+                                      <a:latin typeface="Cambria Math" charset="0"/>
                                     </a:rPr>
                                   </m:ctrlPr>
                                 </m:dPr>
@@ -9590,7 +9590,7 @@
                             <m:sSubPr>
                               <m:ctrlPr>
                                 <a:rPr lang="sv-SE" sz="2400" b="0" i="1" smtClean="0">
-                                  <a:latin typeface="Cambria Math" panose="02040503050406030204" pitchFamily="18" charset="0"/>
+                                  <a:latin typeface="Cambria Math" charset="0"/>
                                 </a:rPr>
                               </m:ctrlPr>
                             </m:sSubPr>
@@ -9601,7 +9601,7 @@
                                   <m:endChr m:val="‖"/>
                                   <m:ctrlPr>
                                     <a:rPr lang="sv-SE" sz="2400" b="0" i="1" smtClean="0">
-                                      <a:latin typeface="Cambria Math" panose="02040503050406030204" pitchFamily="18" charset="0"/>
+                                      <a:latin typeface="Cambria Math" charset="0"/>
                                     </a:rPr>
                                   </m:ctrlPr>
                                 </m:dPr>
@@ -9645,7 +9645,7 @@
                         <m:sSubPr>
                           <m:ctrlPr>
                             <a:rPr lang="sv-SE" sz="2400" b="0" i="1" smtClean="0">
-                              <a:latin typeface="Cambria Math" panose="02040503050406030204" pitchFamily="18" charset="0"/>
+                              <a:latin typeface="Cambria Math" charset="0"/>
                             </a:rPr>
                           </m:ctrlPr>
                         </m:sSubPr>
@@ -9656,7 +9656,7 @@
                               <m:endChr m:val="‖"/>
                               <m:ctrlPr>
                                 <a:rPr lang="sv-SE" sz="2400" i="1" smtClean="0">
-                                  <a:latin typeface="Cambria Math" panose="02040503050406030204" pitchFamily="18" charset="0"/>
+                                  <a:latin typeface="Cambria Math" charset="0"/>
                                 </a:rPr>
                               </m:ctrlPr>
                             </m:dPr>
@@ -9691,7 +9691,7 @@
                           <m:supHide m:val="on"/>
                           <m:ctrlPr>
                             <a:rPr lang="sv-SE" sz="2400" b="0" i="1" smtClean="0">
-                              <a:latin typeface="Cambria Math" panose="02040503050406030204" pitchFamily="18" charset="0"/>
+                              <a:latin typeface="Cambria Math" charset="0"/>
                             </a:rPr>
                           </m:ctrlPr>
                         </m:naryPr>
@@ -9711,7 +9711,7 @@
                               <m:endChr m:val="|"/>
                               <m:ctrlPr>
                                 <a:rPr lang="sv-SE" sz="2400" b="0" i="1" smtClean="0">
-                                  <a:latin typeface="Cambria Math" panose="02040503050406030204" pitchFamily="18" charset="0"/>
+                                  <a:latin typeface="Cambria Math" charset="0"/>
                                 </a:rPr>
                               </m:ctrlPr>
                             </m:dPr>
@@ -9720,7 +9720,7 @@
                                 <m:sSubPr>
                                   <m:ctrlPr>
                                     <a:rPr lang="sv-SE" sz="2400" b="0" i="1" smtClean="0">
-                                      <a:latin typeface="Cambria Math" panose="02040503050406030204" pitchFamily="18" charset="0"/>
+                                      <a:latin typeface="Cambria Math" charset="0"/>
                                     </a:rPr>
                                   </m:ctrlPr>
                                 </m:sSubPr>
@@ -11359,7 +11359,7 @@
                         <m:funcPr>
                           <m:ctrlPr>
                             <a:rPr lang="sv-SE" sz="2400" i="1">
-                              <a:latin typeface="Cambria Math" panose="02040503050406030204" pitchFamily="18" charset="0"/>
+                              <a:latin typeface="Cambria Math" charset="0"/>
                             </a:rPr>
                           </m:ctrlPr>
                         </m:funcPr>
@@ -11368,7 +11368,7 @@
                             <m:limLowPr>
                               <m:ctrlPr>
                                 <a:rPr lang="sv-SE" sz="2400" i="1">
-                                  <a:latin typeface="Cambria Math" panose="02040503050406030204" pitchFamily="18" charset="0"/>
+                                  <a:latin typeface="Cambria Math" charset="0"/>
                                 </a:rPr>
                               </m:ctrlPr>
                             </m:limLowPr>
@@ -11404,7 +11404,7 @@
                             <m:funcPr>
                               <m:ctrlPr>
                                 <a:rPr lang="sv-SE" sz="2400" i="1">
-                                  <a:latin typeface="Cambria Math" panose="02040503050406030204" pitchFamily="18" charset="0"/>
+                                  <a:latin typeface="Cambria Math" charset="0"/>
                                 </a:rPr>
                               </m:ctrlPr>
                             </m:funcPr>
@@ -11430,7 +11430,7 @@
                                 <m:dPr>
                                   <m:ctrlPr>
                                     <a:rPr lang="sv-SE" sz="2400" i="1">
-                                      <a:latin typeface="Cambria Math" panose="02040503050406030204" pitchFamily="18" charset="0"/>
+                                      <a:latin typeface="Cambria Math" charset="0"/>
                                     </a:rPr>
                                   </m:ctrlPr>
                                 </m:dPr>
@@ -11469,7 +11469,7 @@
                             <m:sSubPr>
                               <m:ctrlPr>
                                 <a:rPr lang="sv-SE" sz="2400" i="1">
-                                  <a:latin typeface="Cambria Math" panose="02040503050406030204" pitchFamily="18" charset="0"/>
+                                  <a:latin typeface="Cambria Math" charset="0"/>
                                 </a:rPr>
                               </m:ctrlPr>
                             </m:sSubPr>
@@ -11492,7 +11492,7 @@
                                   <m:endChr m:val="‖"/>
                                   <m:ctrlPr>
                                     <a:rPr lang="sv-SE" sz="2400" i="1">
-                                      <a:latin typeface="Cambria Math" panose="02040503050406030204" pitchFamily="18" charset="0"/>
+                                      <a:latin typeface="Cambria Math" charset="0"/>
                                     </a:rPr>
                                   </m:ctrlPr>
                                 </m:dPr>
@@ -11539,7 +11539,7 @@
                         <m:sSubPr>
                           <m:ctrlPr>
                             <a:rPr lang="sv-SE" sz="2400" i="1">
-                              <a:latin typeface="Cambria Math" panose="02040503050406030204" pitchFamily="18" charset="0"/>
+                              <a:latin typeface="Cambria Math" charset="0"/>
                             </a:rPr>
                           </m:ctrlPr>
                         </m:sSubPr>
@@ -11550,7 +11550,7 @@
                               <m:endChr m:val="‖"/>
                               <m:ctrlPr>
                                 <a:rPr lang="sv-SE" sz="2400" i="1">
-                                  <a:latin typeface="Cambria Math" panose="02040503050406030204" pitchFamily="18" charset="0"/>
+                                  <a:latin typeface="Cambria Math" charset="0"/>
                                 </a:rPr>
                               </m:ctrlPr>
                             </m:dPr>
@@ -12412,7 +12412,7 @@
                       <m:dPr>
                         <m:ctrlPr>
                           <a:rPr lang="sv-SE" sz="2400" b="0" i="1" smtClean="0">
-                            <a:latin typeface="Cambria Math" panose="02040503050406030204" pitchFamily="18" charset="0"/>
+                            <a:latin typeface="Cambria Math" charset="0"/>
                           </a:rPr>
                         </m:ctrlPr>
                       </m:dPr>
@@ -12433,7 +12433,7 @@
                           <m:sSupPr>
                             <m:ctrlPr>
                               <a:rPr lang="sv-SE" sz="2400" b="0" i="1" smtClean="0">
-                                <a:latin typeface="Cambria Math" panose="02040503050406030204" pitchFamily="18" charset="0"/>
+                                <a:latin typeface="Cambria Math" charset="0"/>
                               </a:rPr>
                             </m:ctrlPr>
                           </m:sSupPr>
@@ -12617,7 +12617,7 @@
                       <m:sSupPr>
                         <m:ctrlPr>
                           <a:rPr lang="sv-SE" sz="2400" b="1" i="1" smtClean="0">
-                            <a:latin typeface="Cambria Math" panose="02040503050406030204" pitchFamily="18" charset="0"/>
+                            <a:latin typeface="Cambria Math" charset="0"/>
                             <a:sym typeface="Wingdings" panose="05000000000000000000" pitchFamily="2" charset="2"/>
                           </a:rPr>
                         </m:ctrlPr>
@@ -13160,7 +13160,7 @@
                       <m:sSubSupPr>
                         <m:ctrlPr>
                           <a:rPr lang="sv-SE" i="1">
-                            <a:latin typeface="Cambria Math" panose="02040503050406030204" pitchFamily="18" charset="0"/>
+                            <a:latin typeface="Cambria Math" charset="0"/>
                             <a:sym typeface="Wingdings" panose="05000000000000000000" pitchFamily="2" charset="2"/>
                           </a:rPr>
                         </m:ctrlPr>
@@ -13211,7 +13211,7 @@
                       <m:dPr>
                         <m:ctrlPr>
                           <a:rPr lang="sv-SE" i="1">
-                            <a:latin typeface="Cambria Math" panose="02040503050406030204" pitchFamily="18" charset="0"/>
+                            <a:latin typeface="Cambria Math" charset="0"/>
                             <a:sym typeface="Wingdings" panose="05000000000000000000" pitchFamily="2" charset="2"/>
                           </a:rPr>
                         </m:ctrlPr>
@@ -13221,7 +13221,7 @@
                           <m:sSubPr>
                             <m:ctrlPr>
                               <a:rPr lang="sv-SE" i="1">
-                                <a:latin typeface="Cambria Math" panose="02040503050406030204" pitchFamily="18" charset="0"/>
+                                <a:latin typeface="Cambria Math" charset="0"/>
                                 <a:sym typeface="Wingdings" panose="05000000000000000000" pitchFamily="2" charset="2"/>
                               </a:rPr>
                             </m:ctrlPr>
@@ -13256,7 +13256,7 @@
                           <m:sSubPr>
                             <m:ctrlPr>
                               <a:rPr lang="sv-SE" i="1">
-                                <a:latin typeface="Cambria Math" panose="02040503050406030204" pitchFamily="18" charset="0"/>
+                                <a:latin typeface="Cambria Math" charset="0"/>
                                 <a:sym typeface="Wingdings" panose="05000000000000000000" pitchFamily="2" charset="2"/>
                               </a:rPr>
                             </m:ctrlPr>
@@ -13300,7 +13300,7 @@
                       <m:dPr>
                         <m:ctrlPr>
                           <a:rPr lang="sv-SE" i="1">
-                            <a:latin typeface="Cambria Math" panose="02040503050406030204" pitchFamily="18" charset="0"/>
+                            <a:latin typeface="Cambria Math" charset="0"/>
                             <a:sym typeface="Wingdings" panose="05000000000000000000" pitchFamily="2" charset="2"/>
                           </a:rPr>
                         </m:ctrlPr>
@@ -13310,7 +13310,7 @@
                           <m:sSubPr>
                             <m:ctrlPr>
                               <a:rPr lang="sv-SE" i="1">
-                                <a:latin typeface="Cambria Math" panose="02040503050406030204" pitchFamily="18" charset="0"/>
+                                <a:latin typeface="Cambria Math" charset="0"/>
                                 <a:sym typeface="Wingdings" panose="05000000000000000000" pitchFamily="2" charset="2"/>
                               </a:rPr>
                             </m:ctrlPr>
@@ -13345,7 +13345,7 @@
                           <m:sSubPr>
                             <m:ctrlPr>
                               <a:rPr lang="sv-SE" i="1">
-                                <a:latin typeface="Cambria Math" panose="02040503050406030204" pitchFamily="18" charset="0"/>
+                                <a:latin typeface="Cambria Math" charset="0"/>
                                 <a:sym typeface="Wingdings" panose="05000000000000000000" pitchFamily="2" charset="2"/>
                               </a:rPr>
                             </m:ctrlPr>
@@ -13389,7 +13389,7 @@
                       <m:dPr>
                         <m:ctrlPr>
                           <a:rPr lang="sv-SE" i="1">
-                            <a:latin typeface="Cambria Math" panose="02040503050406030204" pitchFamily="18" charset="0"/>
+                            <a:latin typeface="Cambria Math" charset="0"/>
                             <a:sym typeface="Wingdings" panose="05000000000000000000" pitchFamily="2" charset="2"/>
                           </a:rPr>
                         </m:ctrlPr>
@@ -13399,7 +13399,7 @@
                           <m:sSubPr>
                             <m:ctrlPr>
                               <a:rPr lang="sv-SE" i="1">
-                                <a:latin typeface="Cambria Math" panose="02040503050406030204" pitchFamily="18" charset="0"/>
+                                <a:latin typeface="Cambria Math" charset="0"/>
                                 <a:sym typeface="Wingdings" panose="05000000000000000000" pitchFamily="2" charset="2"/>
                               </a:rPr>
                             </m:ctrlPr>
@@ -13434,7 +13434,7 @@
                           <m:sSubPr>
                             <m:ctrlPr>
                               <a:rPr lang="sv-SE" i="1">
-                                <a:latin typeface="Cambria Math" panose="02040503050406030204" pitchFamily="18" charset="0"/>
+                                <a:latin typeface="Cambria Math" charset="0"/>
                                 <a:sym typeface="Wingdings" panose="05000000000000000000" pitchFamily="2" charset="2"/>
                               </a:rPr>
                             </m:ctrlPr>
@@ -13859,7 +13859,7 @@
                       <m:sSubPr>
                         <m:ctrlPr>
                           <a:rPr lang="sv-SE" b="1" i="1" smtClean="0">
-                            <a:latin typeface="Cambria Math" panose="02040503050406030204" pitchFamily="18" charset="0"/>
+                            <a:latin typeface="Cambria Math" charset="0"/>
                           </a:rPr>
                         </m:ctrlPr>
                       </m:sSubPr>
@@ -13890,7 +13890,7 @@
                       <m:sSubPr>
                         <m:ctrlPr>
                           <a:rPr lang="sv-SE" i="1" smtClean="0">
-                            <a:latin typeface="Cambria Math" panose="02040503050406030204" pitchFamily="18" charset="0"/>
+                            <a:latin typeface="Cambria Math" charset="0"/>
                           </a:rPr>
                         </m:ctrlPr>
                       </m:sSubPr>
@@ -13915,7 +13915,7 @@
                       <m:sSubPr>
                         <m:ctrlPr>
                           <a:rPr lang="sv-SE" b="1" i="1" smtClean="0">
-                            <a:latin typeface="Cambria Math" panose="02040503050406030204" pitchFamily="18" charset="0"/>
+                            <a:latin typeface="Cambria Math" charset="0"/>
                           </a:rPr>
                         </m:ctrlPr>
                       </m:sSubPr>
@@ -13958,7 +13958,7 @@
                       <m:sSupPr>
                         <m:ctrlPr>
                           <a:rPr lang="sv-SE" b="1" i="1" smtClean="0">
-                            <a:latin typeface="Cambria Math" panose="02040503050406030204" pitchFamily="18" charset="0"/>
+                            <a:latin typeface="Cambria Math" charset="0"/>
                           </a:rPr>
                         </m:ctrlPr>
                       </m:sSupPr>
@@ -13967,7 +13967,7 @@
                           <m:fPr>
                             <m:ctrlPr>
                               <a:rPr lang="sv-SE" i="1" smtClean="0">
-                                <a:latin typeface="Cambria Math" panose="02040503050406030204" pitchFamily="18" charset="0"/>
+                                <a:latin typeface="Cambria Math" charset="0"/>
                               </a:rPr>
                             </m:ctrlPr>
                           </m:fPr>
@@ -14066,7 +14066,7 @@
                       <m:sSubPr>
                         <m:ctrlPr>
                           <a:rPr lang="sv-SE" b="1" i="1">
-                            <a:latin typeface="Cambria Math" panose="02040503050406030204" pitchFamily="18" charset="0"/>
+                            <a:latin typeface="Cambria Math" charset="0"/>
                           </a:rPr>
                         </m:ctrlPr>
                       </m:sSubPr>
@@ -14438,7 +14438,7 @@
                       <m:sSubPr>
                         <m:ctrlPr>
                           <a:rPr lang="sv-SE" b="1" i="1" smtClean="0">
-                            <a:latin typeface="Cambria Math" panose="02040503050406030204" pitchFamily="18" charset="0"/>
+                            <a:latin typeface="Cambria Math" charset="0"/>
                           </a:rPr>
                         </m:ctrlPr>
                       </m:sSubPr>
@@ -14469,7 +14469,7 @@
                       <m:sSubSupPr>
                         <m:ctrlPr>
                           <a:rPr lang="sv-SE" b="0" i="1" smtClean="0">
-                            <a:latin typeface="Cambria Math" panose="02040503050406030204" pitchFamily="18" charset="0"/>
+                            <a:latin typeface="Cambria Math" charset="0"/>
                           </a:rPr>
                         </m:ctrlPr>
                       </m:sSubSupPr>
@@ -14502,7 +14502,7 @@
                       <m:sSubPr>
                         <m:ctrlPr>
                           <a:rPr lang="sv-SE" b="1" i="1" smtClean="0">
-                            <a:latin typeface="Cambria Math" panose="02040503050406030204" pitchFamily="18" charset="0"/>
+                            <a:latin typeface="Cambria Math" charset="0"/>
                           </a:rPr>
                         </m:ctrlPr>
                       </m:sSubPr>
@@ -14579,7 +14579,7 @@
                         <m:endChr m:val="‖"/>
                         <m:ctrlPr>
                           <a:rPr lang="sv-SE" b="0" i="1" smtClean="0">
-                            <a:latin typeface="Cambria Math" panose="02040503050406030204" pitchFamily="18" charset="0"/>
+                            <a:latin typeface="Cambria Math" charset="0"/>
                           </a:rPr>
                         </m:ctrlPr>
                       </m:dPr>
@@ -14594,7 +14594,7 @@
                           <m:dPr>
                             <m:ctrlPr>
                               <a:rPr lang="sv-SE" b="1" i="1" smtClean="0">
-                                <a:latin typeface="Cambria Math" panose="02040503050406030204" pitchFamily="18" charset="0"/>
+                                <a:latin typeface="Cambria Math" charset="0"/>
                               </a:rPr>
                             </m:ctrlPr>
                           </m:dPr>
@@ -14603,7 +14603,7 @@
                               <m:sSubPr>
                                 <m:ctrlPr>
                                   <a:rPr lang="sv-SE" b="1" i="1" smtClean="0">
-                                    <a:latin typeface="Cambria Math" panose="02040503050406030204" pitchFamily="18" charset="0"/>
+                                    <a:latin typeface="Cambria Math" charset="0"/>
                                   </a:rPr>
                                 </m:ctrlPr>
                               </m:sSubPr>
@@ -14634,7 +14634,7 @@
                               <m:sSubPr>
                                 <m:ctrlPr>
                                   <a:rPr lang="sv-SE" b="1" i="1" smtClean="0">
-                                    <a:latin typeface="Cambria Math" panose="02040503050406030204" pitchFamily="18" charset="0"/>
+                                    <a:latin typeface="Cambria Math" charset="0"/>
                                   </a:rPr>
                                 </m:ctrlPr>
                               </m:sSubPr>
@@ -14715,7 +14715,7 @@
                       <m:sSupPr>
                         <m:ctrlPr>
                           <a:rPr lang="sv-SE" b="1" i="1" smtClean="0">
-                            <a:latin typeface="Cambria Math" panose="02040503050406030204" pitchFamily="18" charset="0"/>
+                            <a:latin typeface="Cambria Math" charset="0"/>
                           </a:rPr>
                         </m:ctrlPr>
                       </m:sSupPr>
@@ -14758,7 +14758,7 @@
                       <m:sSubPr>
                         <m:ctrlPr>
                           <a:rPr lang="sv-SE" b="1" i="1" smtClean="0">
-                            <a:latin typeface="Cambria Math" panose="02040503050406030204" pitchFamily="18" charset="0"/>
+                            <a:latin typeface="Cambria Math" charset="0"/>
                           </a:rPr>
                         </m:ctrlPr>
                       </m:sSubPr>
@@ -14801,7 +14801,7 @@
                       <m:sSubPr>
                         <m:ctrlPr>
                           <a:rPr lang="sv-SE" b="1" i="1" smtClean="0">
-                            <a:latin typeface="Cambria Math" panose="02040503050406030204" pitchFamily="18" charset="0"/>
+                            <a:latin typeface="Cambria Math" charset="0"/>
                           </a:rPr>
                         </m:ctrlPr>
                       </m:sSubPr>
@@ -14832,7 +14832,7 @@
                       <m:sSubPr>
                         <m:ctrlPr>
                           <a:rPr lang="sv-SE" b="1" i="1" smtClean="0">
-                            <a:latin typeface="Cambria Math" panose="02040503050406030204" pitchFamily="18" charset="0"/>
+                            <a:latin typeface="Cambria Math" charset="0"/>
                           </a:rPr>
                         </m:ctrlPr>
                       </m:sSubPr>
@@ -14863,7 +14863,7 @@
                       <m:sSubPr>
                         <m:ctrlPr>
                           <a:rPr lang="sv-SE" b="1" i="1" smtClean="0">
-                            <a:latin typeface="Cambria Math" panose="02040503050406030204" pitchFamily="18" charset="0"/>
+                            <a:latin typeface="Cambria Math" charset="0"/>
                           </a:rPr>
                         </m:ctrlPr>
                       </m:sSubPr>
@@ -14896,7 +14896,7 @@
                       <m:sSubPr>
                         <m:ctrlPr>
                           <a:rPr lang="sv-SE" i="1" smtClean="0">
-                            <a:latin typeface="Cambria Math" panose="02040503050406030204" pitchFamily="18" charset="0"/>
+                            <a:latin typeface="Cambria Math" charset="0"/>
                           </a:rPr>
                         </m:ctrlPr>
                       </m:sSubPr>
@@ -14927,7 +14927,7 @@
                       <m:sSubSupPr>
                         <m:ctrlPr>
                           <a:rPr lang="sv-SE" i="1" smtClean="0">
-                            <a:latin typeface="Cambria Math" panose="02040503050406030204" pitchFamily="18" charset="0"/>
+                            <a:latin typeface="Cambria Math" charset="0"/>
                           </a:rPr>
                         </m:ctrlPr>
                       </m:sSubSupPr>
@@ -14993,7 +14993,7 @@
                       <m:sSubPr>
                         <m:ctrlPr>
                           <a:rPr lang="sv-SE" b="0" i="1" smtClean="0">
-                            <a:latin typeface="Cambria Math" panose="02040503050406030204" pitchFamily="18" charset="0"/>
+                            <a:latin typeface="Cambria Math" charset="0"/>
                           </a:rPr>
                         </m:ctrlPr>
                       </m:sSubPr>
@@ -15026,7 +15026,7 @@
                       <m:sSubPr>
                         <m:ctrlPr>
                           <a:rPr lang="sv-SE" b="0" i="1" dirty="0" smtClean="0">
-                            <a:latin typeface="Cambria Math" panose="02040503050406030204" pitchFamily="18" charset="0"/>
+                            <a:latin typeface="Cambria Math" charset="0"/>
                           </a:rPr>
                         </m:ctrlPr>
                       </m:sSubPr>
@@ -15051,7 +15051,7 @@
                       <m:dPr>
                         <m:ctrlPr>
                           <a:rPr lang="sv-SE" b="0" i="1" dirty="0" smtClean="0">
-                            <a:latin typeface="Cambria Math" panose="02040503050406030204" pitchFamily="18" charset="0"/>
+                            <a:latin typeface="Cambria Math" charset="0"/>
                           </a:rPr>
                         </m:ctrlPr>
                       </m:dPr>
@@ -15075,7 +15075,7 @@
                         <m:chr m:val="∑"/>
                         <m:ctrlPr>
                           <a:rPr lang="sv-SE" b="0" i="1" dirty="0" smtClean="0">
-                            <a:latin typeface="Cambria Math" panose="02040503050406030204" pitchFamily="18" charset="0"/>
+                            <a:latin typeface="Cambria Math" charset="0"/>
                           </a:rPr>
                         </m:ctrlPr>
                       </m:naryPr>
@@ -15106,7 +15106,7 @@
                           <m:sSubPr>
                             <m:ctrlPr>
                               <a:rPr lang="sv-SE" b="0" i="1" dirty="0" smtClean="0">
-                                <a:latin typeface="Cambria Math" panose="02040503050406030204" pitchFamily="18" charset="0"/>
+                                <a:latin typeface="Cambria Math" charset="0"/>
                               </a:rPr>
                             </m:ctrlPr>
                           </m:sSubPr>
@@ -15155,7 +15155,7 @@
                           <m:sSubPr>
                             <m:ctrlPr>
                               <a:rPr lang="sv-SE" b="0" i="1" dirty="0" smtClean="0">
-                                <a:latin typeface="Cambria Math" panose="02040503050406030204" pitchFamily="18" charset="0"/>
+                                <a:latin typeface="Cambria Math" charset="0"/>
                               </a:rPr>
                             </m:ctrlPr>
                           </m:sSubPr>
@@ -16057,7 +16057,7 @@
                         <m:sSubPr>
                           <m:ctrlPr>
                             <a:rPr lang="sv-SE" sz="1600" b="0" i="1" smtClean="0">
-                              <a:latin typeface="Cambria Math" panose="02040503050406030204" pitchFamily="18" charset="0"/>
+                              <a:latin typeface="Cambria Math" charset="0"/>
                               <a:sym typeface="Wingdings" panose="05000000000000000000" pitchFamily="2" charset="2"/>
                             </a:rPr>
                           </m:ctrlPr>
@@ -16207,7 +16207,7 @@
                         <m:sSubPr>
                           <m:ctrlPr>
                             <a:rPr lang="sv-SE" sz="1600" i="1">
-                              <a:latin typeface="Cambria Math" panose="02040503050406030204" pitchFamily="18" charset="0"/>
+                              <a:latin typeface="Cambria Math" charset="0"/>
                               <a:sym typeface="Wingdings" panose="05000000000000000000" pitchFamily="2" charset="2"/>
                             </a:rPr>
                           </m:ctrlPr>
@@ -16369,7 +16369,7 @@
                         <m:fPr>
                           <m:ctrlPr>
                             <a:rPr lang="sv-SE" sz="2000" i="1">
-                              <a:latin typeface="Cambria Math" panose="02040503050406030204" pitchFamily="18" charset="0"/>
+                              <a:latin typeface="Cambria Math" charset="0"/>
                             </a:rPr>
                           </m:ctrlPr>
                         </m:fPr>
@@ -16378,7 +16378,7 @@
                             <m:sSubPr>
                               <m:ctrlPr>
                                 <a:rPr lang="sv-SE" sz="2000" i="1" dirty="0">
-                                  <a:latin typeface="Cambria Math" panose="02040503050406030204" pitchFamily="18" charset="0"/>
+                                  <a:latin typeface="Cambria Math" charset="0"/>
                                 </a:rPr>
                               </m:ctrlPr>
                             </m:sSubPr>
@@ -16388,7 +16388,7 @@
                                   <m:chr m:val="̅"/>
                                   <m:ctrlPr>
                                     <a:rPr lang="sv-SE" sz="2000" i="1">
-                                      <a:latin typeface="Cambria Math" panose="02040503050406030204" pitchFamily="18" charset="0"/>
+                                      <a:latin typeface="Cambria Math" charset="0"/>
                                     </a:rPr>
                                   </m:ctrlPr>
                                 </m:accPr>
@@ -16427,7 +16427,7 @@
                             <m:sSubPr>
                               <m:ctrlPr>
                                 <a:rPr lang="sv-SE" sz="2000" i="1">
-                                  <a:latin typeface="Cambria Math" panose="02040503050406030204" pitchFamily="18" charset="0"/>
+                                  <a:latin typeface="Cambria Math" charset="0"/>
                                 </a:rPr>
                               </m:ctrlPr>
                             </m:sSubPr>
@@ -16437,7 +16437,7 @@
                                   <m:chr m:val="̅"/>
                                   <m:ctrlPr>
                                     <a:rPr lang="sv-SE" sz="2000" i="1">
-                                      <a:latin typeface="Cambria Math" panose="02040503050406030204" pitchFamily="18" charset="0"/>
+                                      <a:latin typeface="Cambria Math" charset="0"/>
                                     </a:rPr>
                                   </m:ctrlPr>
                                 </m:accPr>
@@ -16478,7 +16478,7 @@
                             <m:sSubPr>
                               <m:ctrlPr>
                                 <a:rPr lang="sv-SE" sz="2000" i="1">
-                                  <a:latin typeface="Cambria Math" panose="02040503050406030204" pitchFamily="18" charset="0"/>
+                                  <a:latin typeface="Cambria Math" charset="0"/>
                                 </a:rPr>
                               </m:ctrlPr>
                             </m:sSubPr>
@@ -16681,7 +16681,7 @@
                       <m:sSupPr>
                         <m:ctrlPr>
                           <a:rPr lang="sv-SE" sz="1600" b="0" i="1" smtClean="0">
-                            <a:latin typeface="Cambria Math" panose="02040503050406030204" pitchFamily="18" charset="0"/>
+                            <a:latin typeface="Cambria Math" charset="0"/>
                             <a:sym typeface="Wingdings" panose="05000000000000000000" pitchFamily="2" charset="2"/>
                           </a:rPr>
                         </m:ctrlPr>
@@ -16785,7 +16785,7 @@
                       <m:sSupPr>
                         <m:ctrlPr>
                           <a:rPr lang="sv-SE" sz="1600" i="1">
-                            <a:latin typeface="Cambria Math" panose="02040503050406030204" pitchFamily="18" charset="0"/>
+                            <a:latin typeface="Cambria Math" charset="0"/>
                             <a:sym typeface="Wingdings" panose="05000000000000000000" pitchFamily="2" charset="2"/>
                           </a:rPr>
                         </m:ctrlPr>
@@ -16821,7 +16821,7 @@
                       <m:sSupPr>
                         <m:ctrlPr>
                           <a:rPr lang="sv-SE" sz="1600" b="0" i="1" smtClean="0">
-                            <a:latin typeface="Cambria Math" panose="02040503050406030204" pitchFamily="18" charset="0"/>
+                            <a:latin typeface="Cambria Math" charset="0"/>
                             <a:ea typeface="Cambria Math" panose="02040503050406030204" pitchFamily="18" charset="0"/>
                             <a:sym typeface="Wingdings" panose="05000000000000000000" pitchFamily="2" charset="2"/>
                           </a:rPr>
@@ -16977,28 +16977,28 @@
                     <a:gridCol w="816006">
                       <a:extLst>
                         <a:ext uri="{9D8B030D-6E8A-4147-A177-3AD203B41FA5}">
-                          <a16:colId xmlns:a16="http://schemas.microsoft.com/office/drawing/2014/main" val="3185243970"/>
+                          <a16:colId xmlns:a16="http://schemas.microsoft.com/office/drawing/2014/main" xmlns="" val="3185243970"/>
                         </a:ext>
                       </a:extLst>
                     </a:gridCol>
                     <a:gridCol w="816006">
                       <a:extLst>
                         <a:ext uri="{9D8B030D-6E8A-4147-A177-3AD203B41FA5}">
-                          <a16:colId xmlns:a16="http://schemas.microsoft.com/office/drawing/2014/main" val="1784891304"/>
+                          <a16:colId xmlns:a16="http://schemas.microsoft.com/office/drawing/2014/main" xmlns="" val="1784891304"/>
                         </a:ext>
                       </a:extLst>
                     </a:gridCol>
                     <a:gridCol w="816006">
                       <a:extLst>
                         <a:ext uri="{9D8B030D-6E8A-4147-A177-3AD203B41FA5}">
-                          <a16:colId xmlns:a16="http://schemas.microsoft.com/office/drawing/2014/main" val="1057549262"/>
+                          <a16:colId xmlns:a16="http://schemas.microsoft.com/office/drawing/2014/main" xmlns="" val="1057549262"/>
                         </a:ext>
                       </a:extLst>
                     </a:gridCol>
                     <a:gridCol w="816006">
                       <a:extLst>
                         <a:ext uri="{9D8B030D-6E8A-4147-A177-3AD203B41FA5}">
-                          <a16:colId xmlns:a16="http://schemas.microsoft.com/office/drawing/2014/main" val="2028458909"/>
+                          <a16:colId xmlns:a16="http://schemas.microsoft.com/office/drawing/2014/main" xmlns="" val="2028458909"/>
                         </a:ext>
                       </a:extLst>
                     </a:gridCol>
@@ -17030,7 +17030,7 @@
                                   <m:sSubPr>
                                     <m:ctrlPr>
                                       <a:rPr lang="sv-SE" b="1" i="1" smtClean="0">
-                                        <a:latin typeface="Cambria Math" panose="02040503050406030204" pitchFamily="18" charset="0"/>
+                                        <a:latin typeface="Cambria Math" charset="0"/>
                                       </a:rPr>
                                     </m:ctrlPr>
                                   </m:sSubPr>
@@ -17084,7 +17084,7 @@
                     </a:tc>
                     <a:extLst>
                       <a:ext uri="{0D108BD9-81ED-4DB2-BD59-A6C34878D82A}">
-                        <a16:rowId xmlns:a16="http://schemas.microsoft.com/office/drawing/2014/main" val="1115283686"/>
+                        <a16:rowId xmlns:a16="http://schemas.microsoft.com/office/drawing/2014/main" xmlns="" val="1115283686"/>
                       </a:ext>
                     </a:extLst>
                   </a:tr>
@@ -17153,7 +17153,7 @@
                     </a:tc>
                     <a:extLst>
                       <a:ext uri="{0D108BD9-81ED-4DB2-BD59-A6C34878D82A}">
-                        <a16:rowId xmlns:a16="http://schemas.microsoft.com/office/drawing/2014/main" val="3312721633"/>
+                        <a16:rowId xmlns:a16="http://schemas.microsoft.com/office/drawing/2014/main" xmlns="" val="3312721633"/>
                       </a:ext>
                     </a:extLst>
                   </a:tr>
@@ -17222,7 +17222,7 @@
                     </a:tc>
                     <a:extLst>
                       <a:ext uri="{0D108BD9-81ED-4DB2-BD59-A6C34878D82A}">
-                        <a16:rowId xmlns:a16="http://schemas.microsoft.com/office/drawing/2014/main" val="629672287"/>
+                        <a16:rowId xmlns:a16="http://schemas.microsoft.com/office/drawing/2014/main" xmlns="" val="629672287"/>
                       </a:ext>
                     </a:extLst>
                   </a:tr>
@@ -17272,7 +17272,7 @@
                     </a:tc>
                     <a:extLst>
                       <a:ext uri="{0D108BD9-81ED-4DB2-BD59-A6C34878D82A}">
-                        <a16:rowId xmlns:a16="http://schemas.microsoft.com/office/drawing/2014/main" val="3833997061"/>
+                        <a16:rowId xmlns:a16="http://schemas.microsoft.com/office/drawing/2014/main" xmlns="" val="3833997061"/>
                       </a:ext>
                     </a:extLst>
                   </a:tr>
@@ -17341,7 +17341,7 @@
                     </a:tc>
                     <a:extLst>
                       <a:ext uri="{0D108BD9-81ED-4DB2-BD59-A6C34878D82A}">
-                        <a16:rowId xmlns:a16="http://schemas.microsoft.com/office/drawing/2014/main" val="1563803068"/>
+                        <a16:rowId xmlns:a16="http://schemas.microsoft.com/office/drawing/2014/main" xmlns="" val="1563803068"/>
                       </a:ext>
                     </a:extLst>
                   </a:tr>
@@ -17410,7 +17410,7 @@
                     </a:tc>
                     <a:extLst>
                       <a:ext uri="{0D108BD9-81ED-4DB2-BD59-A6C34878D82A}">
-                        <a16:rowId xmlns:a16="http://schemas.microsoft.com/office/drawing/2014/main" val="2683898046"/>
+                        <a16:rowId xmlns:a16="http://schemas.microsoft.com/office/drawing/2014/main" xmlns="" val="2683898046"/>
                       </a:ext>
                     </a:extLst>
                   </a:tr>
@@ -18049,7 +18049,7 @@
                       <m:sSubPr>
                         <m:ctrlPr>
                           <a:rPr lang="sv-SE" sz="1800" i="1">
-                            <a:latin typeface="Cambria Math" panose="02040503050406030204" pitchFamily="18" charset="0"/>
+                            <a:latin typeface="Cambria Math" charset="0"/>
                           </a:rPr>
                         </m:ctrlPr>
                       </m:sSubPr>
@@ -18059,7 +18059,7 @@
                             <m:chr m:val="̅"/>
                             <m:ctrlPr>
                               <a:rPr lang="sv-SE" sz="1800" i="1">
-                                <a:latin typeface="Cambria Math" panose="02040503050406030204" pitchFamily="18" charset="0"/>
+                                <a:latin typeface="Cambria Math" charset="0"/>
                               </a:rPr>
                             </m:ctrlPr>
                           </m:accPr>
@@ -18176,7 +18176,7 @@
                       <m:sSubPr>
                         <m:ctrlPr>
                           <a:rPr lang="sv-SE" sz="1800" i="1">
-                            <a:latin typeface="Cambria Math" panose="02040503050406030204" pitchFamily="18" charset="0"/>
+                            <a:latin typeface="Cambria Math" charset="0"/>
                           </a:rPr>
                         </m:ctrlPr>
                       </m:sSubPr>
@@ -18186,7 +18186,7 @@
                             <m:chr m:val="̅"/>
                             <m:ctrlPr>
                               <a:rPr lang="sv-SE" sz="1800" i="1">
-                                <a:latin typeface="Cambria Math" panose="02040503050406030204" pitchFamily="18" charset="0"/>
+                                <a:latin typeface="Cambria Math" charset="0"/>
                               </a:rPr>
                             </m:ctrlPr>
                           </m:accPr>
@@ -20893,7 +20893,7 @@
                         <m:dPr>
                           <m:ctrlPr>
                             <a:rPr lang="sv-SE" b="0" i="1" smtClean="0">
-                              <a:latin typeface="Cambria Math" panose="02040503050406030204" pitchFamily="18" charset="0"/>
+                              <a:latin typeface="Cambria Math" charset="0"/>
                             </a:rPr>
                           </m:ctrlPr>
                         </m:dPr>
@@ -20902,7 +20902,7 @@
                             <m:fPr>
                               <m:ctrlPr>
                                 <a:rPr lang="sv-SE" b="0" i="1" smtClean="0">
-                                  <a:latin typeface="Cambria Math" panose="02040503050406030204" pitchFamily="18" charset="0"/>
+                                  <a:latin typeface="Cambria Math" charset="0"/>
                                 </a:rPr>
                               </m:ctrlPr>
                             </m:fPr>
@@ -21049,28 +21049,28 @@
                 <a:gridCol w="1650431">
                   <a:extLst>
                     <a:ext uri="{9D8B030D-6E8A-4147-A177-3AD203B41FA5}">
-                      <a16:colId xmlns:a16="http://schemas.microsoft.com/office/drawing/2014/main" val="936319264"/>
+                      <a16:colId xmlns:a16="http://schemas.microsoft.com/office/drawing/2014/main" xmlns="" val="936319264"/>
                     </a:ext>
                   </a:extLst>
                 </a:gridCol>
                 <a:gridCol w="1854951">
                   <a:extLst>
                     <a:ext uri="{9D8B030D-6E8A-4147-A177-3AD203B41FA5}">
-                      <a16:colId xmlns:a16="http://schemas.microsoft.com/office/drawing/2014/main" val="998898630"/>
+                      <a16:colId xmlns:a16="http://schemas.microsoft.com/office/drawing/2014/main" xmlns="" val="998898630"/>
                     </a:ext>
                   </a:extLst>
                 </a:gridCol>
                 <a:gridCol w="2006405">
                   <a:extLst>
                     <a:ext uri="{9D8B030D-6E8A-4147-A177-3AD203B41FA5}">
-                      <a16:colId xmlns:a16="http://schemas.microsoft.com/office/drawing/2014/main" val="2016591068"/>
+                      <a16:colId xmlns:a16="http://schemas.microsoft.com/office/drawing/2014/main" xmlns="" val="2016591068"/>
                     </a:ext>
                   </a:extLst>
                 </a:gridCol>
                 <a:gridCol w="1089938">
                   <a:extLst>
                     <a:ext uri="{9D8B030D-6E8A-4147-A177-3AD203B41FA5}">
-                      <a16:colId xmlns:a16="http://schemas.microsoft.com/office/drawing/2014/main" val="1704993048"/>
+                      <a16:colId xmlns:a16="http://schemas.microsoft.com/office/drawing/2014/main" xmlns="" val="1704993048"/>
                     </a:ext>
                   </a:extLst>
                 </a:gridCol>
@@ -21145,7 +21145,7 @@
                 </a:tc>
                 <a:extLst>
                   <a:ext uri="{0D108BD9-81ED-4DB2-BD59-A6C34878D82A}">
-                    <a16:rowId xmlns:a16="http://schemas.microsoft.com/office/drawing/2014/main" val="2009223580"/>
+                    <a16:rowId xmlns:a16="http://schemas.microsoft.com/office/drawing/2014/main" xmlns="" val="2009223580"/>
                   </a:ext>
                 </a:extLst>
               </a:tr>
@@ -21209,7 +21209,7 @@
                 </a:tc>
                 <a:extLst>
                   <a:ext uri="{0D108BD9-81ED-4DB2-BD59-A6C34878D82A}">
-                    <a16:rowId xmlns:a16="http://schemas.microsoft.com/office/drawing/2014/main" val="1699969806"/>
+                    <a16:rowId xmlns:a16="http://schemas.microsoft.com/office/drawing/2014/main" xmlns="" val="1699969806"/>
                   </a:ext>
                 </a:extLst>
               </a:tr>
@@ -21273,7 +21273,7 @@
                 </a:tc>
                 <a:extLst>
                   <a:ext uri="{0D108BD9-81ED-4DB2-BD59-A6C34878D82A}">
-                    <a16:rowId xmlns:a16="http://schemas.microsoft.com/office/drawing/2014/main" val="420983105"/>
+                    <a16:rowId xmlns:a16="http://schemas.microsoft.com/office/drawing/2014/main" xmlns="" val="420983105"/>
                   </a:ext>
                 </a:extLst>
               </a:tr>
@@ -21332,7 +21332,7 @@
                 </a:tc>
                 <a:extLst>
                   <a:ext uri="{0D108BD9-81ED-4DB2-BD59-A6C34878D82A}">
-                    <a16:rowId xmlns:a16="http://schemas.microsoft.com/office/drawing/2014/main" val="686254451"/>
+                    <a16:rowId xmlns:a16="http://schemas.microsoft.com/office/drawing/2014/main" xmlns="" val="686254451"/>
                   </a:ext>
                 </a:extLst>
               </a:tr>
@@ -21393,8 +21393,8 @@
           </a:p>
         </p:txBody>
       </p:sp>
-      <mc:AlternateContent xmlns:mc="http://schemas.openxmlformats.org/markup-compatibility/2006" xmlns:a14="http://schemas.microsoft.com/office/drawing/2010/main">
-        <mc:Choice Requires="a14">
+      <mc:AlternateContent xmlns:mc="http://schemas.openxmlformats.org/markup-compatibility/2006">
+        <mc:Choice xmlns:a14="http://schemas.microsoft.com/office/drawing/2010/main" Requires="a14">
           <p:sp>
             <p:nvSpPr>
               <p:cNvPr id="3" name="Platshållare för innehåll 2"/>
@@ -21461,7 +21461,7 @@
                       <m:dPr>
                         <m:ctrlPr>
                           <a:rPr lang="sv-SE" b="0" i="1" smtClean="0">
-                            <a:latin typeface="Cambria Math" panose="02040503050406030204" pitchFamily="18" charset="0"/>
+                            <a:latin typeface="Cambria Math" charset="0"/>
                           </a:rPr>
                         </m:ctrlPr>
                       </m:dPr>
@@ -21540,14 +21540,26 @@
                   <a:rPr lang="sv-SE" dirty="0">
                     <a:sym typeface="Wingdings" panose="05000000000000000000" pitchFamily="2" charset="2"/>
                   </a:rPr>
-                  <a:t> FDR!</a:t>
+                  <a:t> </a:t>
+                </a:r>
+                <a:r>
+                  <a:rPr lang="sv-SE">
+                    <a:sym typeface="Wingdings" panose="05000000000000000000" pitchFamily="2" charset="2"/>
+                  </a:rPr>
+                  <a:t>FDR</a:t>
+                </a:r>
+                <a:r>
+                  <a:rPr lang="sv-SE" smtClean="0">
+                    <a:sym typeface="Wingdings" panose="05000000000000000000" pitchFamily="2" charset="2"/>
+                  </a:rPr>
+                  <a:t>!!! </a:t>
                 </a:r>
                 <a:endParaRPr lang="sv-SE" dirty="0"/>
               </a:p>
             </p:txBody>
           </p:sp>
         </mc:Choice>
-        <mc:Fallback xmlns="">
+        <mc:Fallback>
           <p:sp>
             <p:nvSpPr>
               <p:cNvPr id="3" name="Platshållare för innehåll 2"/>
@@ -21559,7 +21571,7 @@
               </p:nvPr>
             </p:nvSpPr>
             <p:spPr>
-              <a:blipFill>
+              <a:blipFill rotWithShape="0">
                 <a:blip r:embed="rId3"/>
                 <a:stretch>
                   <a:fillRect l="-1333" t="-1348"/>
@@ -21571,7 +21583,7 @@
               <a:lstStyle/>
               <a:p>
                 <a:r>
-                  <a:rPr lang="sv-SE">
+                  <a:rPr lang="en-US">
                     <a:noFill/>
                   </a:rPr>
                   <a:t> </a:t>
@@ -22201,7 +22213,7 @@
                       <m:sSupPr>
                         <m:ctrlPr>
                           <a:rPr lang="sv-SE" b="0" i="1" smtClean="0">
-                            <a:latin typeface="Cambria Math" panose="02040503050406030204" pitchFamily="18" charset="0"/>
+                            <a:latin typeface="Cambria Math" charset="0"/>
                           </a:rPr>
                         </m:ctrlPr>
                       </m:sSupPr>
@@ -22256,7 +22268,7 @@
                       <m:sSupPr>
                         <m:ctrlPr>
                           <a:rPr lang="sv-SE" b="0" i="1" smtClean="0">
-                            <a:latin typeface="Cambria Math" panose="02040503050406030204" pitchFamily="18" charset="0"/>
+                            <a:latin typeface="Cambria Math" charset="0"/>
                           </a:rPr>
                         </m:ctrlPr>
                       </m:sSupPr>
@@ -22265,7 +22277,7 @@
                           <m:dPr>
                             <m:ctrlPr>
                               <a:rPr lang="sv-SE" b="0" i="1" smtClean="0">
-                                <a:latin typeface="Cambria Math" panose="02040503050406030204" pitchFamily="18" charset="0"/>
+                                <a:latin typeface="Cambria Math" charset="0"/>
                               </a:rPr>
                             </m:ctrlPr>
                           </m:dPr>
@@ -22286,7 +22298,7 @@
                               <m:sSupPr>
                                 <m:ctrlPr>
                                   <a:rPr lang="sv-SE" b="0" i="1" smtClean="0">
-                                    <a:latin typeface="Cambria Math" panose="02040503050406030204" pitchFamily="18" charset="0"/>
+                                    <a:latin typeface="Cambria Math" charset="0"/>
                                   </a:rPr>
                                 </m:ctrlPr>
                               </m:sSupPr>
@@ -22335,7 +22347,7 @@
                         <m:chr m:val="̂"/>
                         <m:ctrlPr>
                           <a:rPr lang="sv-SE" b="0" i="1" smtClean="0">
-                            <a:latin typeface="Cambria Math" panose="02040503050406030204" pitchFamily="18" charset="0"/>
+                            <a:latin typeface="Cambria Math" charset="0"/>
                           </a:rPr>
                         </m:ctrlPr>
                       </m:accPr>
@@ -22358,7 +22370,7 @@
                       <m:sSupPr>
                         <m:ctrlPr>
                           <a:rPr lang="sv-SE" b="0" i="1" dirty="0" smtClean="0">
-                            <a:latin typeface="Cambria Math" panose="02040503050406030204" pitchFamily="18" charset="0"/>
+                            <a:latin typeface="Cambria Math" charset="0"/>
                           </a:rPr>
                         </m:ctrlPr>
                       </m:sSupPr>
@@ -22367,7 +22379,7 @@
                           <m:dPr>
                             <m:ctrlPr>
                               <a:rPr lang="sv-SE" b="0" i="1" dirty="0" smtClean="0">
-                                <a:latin typeface="Cambria Math" panose="02040503050406030204" pitchFamily="18" charset="0"/>
+                                <a:latin typeface="Cambria Math" charset="0"/>
                               </a:rPr>
                             </m:ctrlPr>
                           </m:dPr>
@@ -22376,7 +22388,7 @@
                               <m:sSupPr>
                                 <m:ctrlPr>
                                   <a:rPr lang="sv-SE" b="0" i="1" dirty="0" smtClean="0">
-                                    <a:latin typeface="Cambria Math" panose="02040503050406030204" pitchFamily="18" charset="0"/>
+                                    <a:latin typeface="Cambria Math" charset="0"/>
                                   </a:rPr>
                                 </m:ctrlPr>
                               </m:sSupPr>
@@ -22419,7 +22431,7 @@
                       <m:sSupPr>
                         <m:ctrlPr>
                           <a:rPr lang="sv-SE" b="0" i="1" dirty="0" smtClean="0">
-                            <a:latin typeface="Cambria Math" panose="02040503050406030204" pitchFamily="18" charset="0"/>
+                            <a:latin typeface="Cambria Math" charset="0"/>
                           </a:rPr>
                         </m:ctrlPr>
                       </m:sSupPr>
@@ -22513,7 +22525,7 @@
                       <m:sSupPr>
                         <m:ctrlPr>
                           <a:rPr lang="sv-SE" b="0" i="1" smtClean="0">
-                            <a:latin typeface="Cambria Math" panose="02040503050406030204" pitchFamily="18" charset="0"/>
+                            <a:latin typeface="Cambria Math" charset="0"/>
                           </a:rPr>
                         </m:ctrlPr>
                       </m:sSupPr>
@@ -22602,7 +22614,7 @@
                             <a:solidFill>
                               <a:srgbClr val="FF0000"/>
                             </a:solidFill>
-                            <a:latin typeface="Cambria Math" panose="02040503050406030204" pitchFamily="18" charset="0"/>
+                            <a:latin typeface="Cambria Math" charset="0"/>
                           </a:rPr>
                         </m:ctrlPr>
                       </m:sSupPr>
@@ -23554,7 +23566,7 @@
                       <m:sSupPr>
                         <m:ctrlPr>
                           <a:rPr lang="sv-SE" b="0" i="1" smtClean="0">
-                            <a:latin typeface="Cambria Math" panose="02040503050406030204" pitchFamily="18" charset="0"/>
+                            <a:latin typeface="Cambria Math" charset="0"/>
                             <a:sym typeface="Wingdings" panose="05000000000000000000" pitchFamily="2" charset="2"/>
                           </a:rPr>
                         </m:ctrlPr>
@@ -23854,7 +23866,7 @@
                               <a:solidFill>
                                 <a:srgbClr val="7030A0"/>
                               </a:solidFill>
-                              <a:latin typeface="Cambria Math" panose="02040503050406030204" pitchFamily="18" charset="0"/>
+                              <a:latin typeface="Cambria Math" charset="0"/>
                               <a:sym typeface="Wingdings" panose="05000000000000000000" pitchFamily="2" charset="2"/>
                             </a:rPr>
                           </m:ctrlPr>
@@ -23881,7 +23893,7 @@
                         <m:sSubSupPr>
                           <m:ctrlPr>
                             <a:rPr lang="sv-SE" i="1">
-                              <a:latin typeface="Cambria Math" panose="02040503050406030204" pitchFamily="18" charset="0"/>
+                              <a:latin typeface="Cambria Math" charset="0"/>
                             </a:rPr>
                           </m:ctrlPr>
                         </m:sSubSupPr>
@@ -23890,7 +23902,7 @@
                             <m:fPr>
                               <m:ctrlPr>
                                 <a:rPr lang="sv-SE" i="1">
-                                  <a:latin typeface="Cambria Math" panose="02040503050406030204" pitchFamily="18" charset="0"/>
+                                  <a:latin typeface="Cambria Math" charset="0"/>
                                 </a:rPr>
                               </m:ctrlPr>
                             </m:fPr>
@@ -23945,7 +23957,7 @@
                         <m:sSubPr>
                           <m:ctrlPr>
                             <a:rPr lang="sv-SE" i="1">
-                              <a:latin typeface="Cambria Math" panose="02040503050406030204" pitchFamily="18" charset="0"/>
+                              <a:latin typeface="Cambria Math" charset="0"/>
                             </a:rPr>
                           </m:ctrlPr>
                         </m:sSubPr>
@@ -23976,7 +23988,7 @@
                         <m:sSubPr>
                           <m:ctrlPr>
                             <a:rPr lang="sv-SE" i="1">
-                              <a:latin typeface="Cambria Math" panose="02040503050406030204" pitchFamily="18" charset="0"/>
+                              <a:latin typeface="Cambria Math" charset="0"/>
                             </a:rPr>
                           </m:ctrlPr>
                         </m:sSubPr>
@@ -23986,7 +23998,7 @@
                               <m:chr m:val="̂"/>
                               <m:ctrlPr>
                                 <a:rPr lang="sv-SE" i="1">
-                                  <a:latin typeface="Cambria Math" panose="02040503050406030204" pitchFamily="18" charset="0"/>
+                                  <a:latin typeface="Cambria Math" charset="0"/>
                                 </a:rPr>
                               </m:ctrlPr>
                             </m:accPr>
@@ -24276,7 +24288,7 @@
                         <m:dPr>
                           <m:ctrlPr>
                             <a:rPr lang="sv-SE" b="0" i="1" smtClean="0">
-                              <a:latin typeface="Cambria Math" panose="02040503050406030204" pitchFamily="18" charset="0"/>
+                              <a:latin typeface="Cambria Math" charset="0"/>
                             </a:rPr>
                           </m:ctrlPr>
                         </m:dPr>
@@ -24285,7 +24297,7 @@
                             <m:sSubSupPr>
                               <m:ctrlPr>
                                 <a:rPr lang="sv-SE" b="0" i="1" smtClean="0">
-                                  <a:latin typeface="Cambria Math" panose="02040503050406030204" pitchFamily="18" charset="0"/>
+                                  <a:latin typeface="Cambria Math" charset="0"/>
                                 </a:rPr>
                               </m:ctrlPr>
                             </m:sSubSupPr>
@@ -24324,7 +24336,7 @@
                             <m:sSubSupPr>
                               <m:ctrlPr>
                                 <a:rPr lang="sv-SE" b="0" i="1" smtClean="0">
-                                  <a:latin typeface="Cambria Math" panose="02040503050406030204" pitchFamily="18" charset="0"/>
+                                  <a:latin typeface="Cambria Math" charset="0"/>
                                 </a:rPr>
                               </m:ctrlPr>
                             </m:sSubSupPr>
@@ -24395,7 +24407,7 @@
                         <m:dPr>
                           <m:ctrlPr>
                             <a:rPr lang="sv-SE" b="0" i="1" smtClean="0">
-                              <a:latin typeface="Cambria Math" panose="02040503050406030204" pitchFamily="18" charset="0"/>
+                              <a:latin typeface="Cambria Math" charset="0"/>
                             </a:rPr>
                           </m:ctrlPr>
                         </m:dPr>
@@ -24404,7 +24416,7 @@
                             <m:sSupPr>
                               <m:ctrlPr>
                                 <a:rPr lang="sv-SE" b="0" i="1" smtClean="0">
-                                  <a:latin typeface="Cambria Math" panose="02040503050406030204" pitchFamily="18" charset="0"/>
+                                  <a:latin typeface="Cambria Math" charset="0"/>
                                 </a:rPr>
                               </m:ctrlPr>
                             </m:sSupPr>
@@ -24438,7 +24450,7 @@
                           <m:chr m:val="∑"/>
                           <m:ctrlPr>
                             <a:rPr lang="sv-SE" b="0" i="1" smtClean="0">
-                              <a:latin typeface="Cambria Math" panose="02040503050406030204" pitchFamily="18" charset="0"/>
+                              <a:latin typeface="Cambria Math" charset="0"/>
                             </a:rPr>
                           </m:ctrlPr>
                         </m:naryPr>
@@ -24469,7 +24481,7 @@
                             <m:fPr>
                               <m:ctrlPr>
                                 <a:rPr lang="sv-SE" b="0" i="1" smtClean="0">
-                                  <a:latin typeface="Cambria Math" panose="02040503050406030204" pitchFamily="18" charset="0"/>
+                                  <a:latin typeface="Cambria Math" charset="0"/>
                                 </a:rPr>
                               </m:ctrlPr>
                             </m:fPr>
@@ -24478,7 +24490,7 @@
                                 <m:sSupPr>
                                   <m:ctrlPr>
                                     <a:rPr lang="sv-SE" b="0" i="1" smtClean="0">
-                                      <a:latin typeface="Cambria Math" panose="02040503050406030204" pitchFamily="18" charset="0"/>
+                                      <a:latin typeface="Cambria Math" charset="0"/>
                                     </a:rPr>
                                   </m:ctrlPr>
                                 </m:sSupPr>
@@ -24487,7 +24499,7 @@
                                     <m:dPr>
                                       <m:ctrlPr>
                                         <a:rPr lang="sv-SE" b="0" i="1" smtClean="0">
-                                          <a:latin typeface="Cambria Math" panose="02040503050406030204" pitchFamily="18" charset="0"/>
+                                          <a:latin typeface="Cambria Math" charset="0"/>
                                         </a:rPr>
                                       </m:ctrlPr>
                                     </m:dPr>
@@ -24496,7 +24508,7 @@
                                         <m:sSubSupPr>
                                           <m:ctrlPr>
                                             <a:rPr lang="sv-SE" b="0" i="1" smtClean="0">
-                                              <a:latin typeface="Cambria Math" panose="02040503050406030204" pitchFamily="18" charset="0"/>
+                                              <a:latin typeface="Cambria Math" charset="0"/>
                                             </a:rPr>
                                           </m:ctrlPr>
                                         </m:sSubSupPr>
@@ -24535,7 +24547,7 @@
                                         <m:sSubPr>
                                           <m:ctrlPr>
                                             <a:rPr lang="sv-SE" b="0" i="1" smtClean="0">
-                                              <a:latin typeface="Cambria Math" panose="02040503050406030204" pitchFamily="18" charset="0"/>
+                                              <a:latin typeface="Cambria Math" charset="0"/>
                                             </a:rPr>
                                           </m:ctrlPr>
                                         </m:sSubPr>
@@ -24545,7 +24557,7 @@
                                               <m:chr m:val="̅"/>
                                               <m:ctrlPr>
                                                 <a:rPr lang="sv-SE" b="0" i="1" smtClean="0">
-                                                  <a:latin typeface="Cambria Math" panose="02040503050406030204" pitchFamily="18" charset="0"/>
+                                                  <a:latin typeface="Cambria Math" charset="0"/>
                                                 </a:rPr>
                                               </m:ctrlPr>
                                             </m:accPr>
@@ -24586,7 +24598,7 @@
                                 <m:sSubSupPr>
                                   <m:ctrlPr>
                                     <a:rPr lang="sv-SE" b="0" i="1" smtClean="0">
-                                      <a:latin typeface="Cambria Math" panose="02040503050406030204" pitchFamily="18" charset="0"/>
+                                      <a:latin typeface="Cambria Math" charset="0"/>
                                     </a:rPr>
                                   </m:ctrlPr>
                                 </m:sSubSupPr>
@@ -24627,7 +24639,7 @@
                             <m:funcPr>
                               <m:ctrlPr>
                                 <a:rPr lang="sv-SE" b="0" i="1" smtClean="0">
-                                  <a:latin typeface="Cambria Math" panose="02040503050406030204" pitchFamily="18" charset="0"/>
+                                  <a:latin typeface="Cambria Math" charset="0"/>
                                 </a:rPr>
                               </m:ctrlPr>
                             </m:funcPr>
@@ -24647,7 +24659,7 @@
                                 <m:sSubPr>
                                   <m:ctrlPr>
                                     <a:rPr lang="sv-SE" i="1">
-                                      <a:latin typeface="Cambria Math" panose="02040503050406030204" pitchFamily="18" charset="0"/>
+                                      <a:latin typeface="Cambria Math" charset="0"/>
                                     </a:rPr>
                                   </m:ctrlPr>
                                 </m:sSubPr>
@@ -24685,7 +24697,7 @@
                       <m:sSubSupPr>
                         <m:ctrlPr>
                           <a:rPr lang="sv-SE" b="0" i="1" smtClean="0">
-                            <a:latin typeface="Cambria Math" panose="02040503050406030204" pitchFamily="18" charset="0"/>
+                            <a:latin typeface="Cambria Math" charset="0"/>
                           </a:rPr>
                         </m:ctrlPr>
                       </m:sSubSupPr>
@@ -24724,7 +24736,7 @@
                       <m:fPr>
                         <m:ctrlPr>
                           <a:rPr lang="sv-SE" b="0" i="1" smtClean="0">
-                            <a:latin typeface="Cambria Math" panose="02040503050406030204" pitchFamily="18" charset="0"/>
+                            <a:latin typeface="Cambria Math" charset="0"/>
                           </a:rPr>
                         </m:ctrlPr>
                       </m:fPr>
@@ -24751,7 +24763,7 @@
                         <m:supHide m:val="on"/>
                         <m:ctrlPr>
                           <a:rPr lang="sv-SE" b="0" i="1" smtClean="0">
-                            <a:latin typeface="Cambria Math" panose="02040503050406030204" pitchFamily="18" charset="0"/>
+                            <a:latin typeface="Cambria Math" charset="0"/>
                           </a:rPr>
                         </m:ctrlPr>
                       </m:naryPr>
@@ -24769,7 +24781,7 @@
                           <m:sSubPr>
                             <m:ctrlPr>
                               <a:rPr lang="sv-SE" i="1">
-                                <a:latin typeface="Cambria Math" panose="02040503050406030204" pitchFamily="18" charset="0"/>
+                                <a:latin typeface="Cambria Math" charset="0"/>
                               </a:rPr>
                             </m:ctrlPr>
                           </m:sSubPr>
@@ -24806,7 +24818,7 @@
                           <m:sSubPr>
                             <m:ctrlPr>
                               <a:rPr lang="sv-SE" i="1">
-                                <a:latin typeface="Cambria Math" panose="02040503050406030204" pitchFamily="18" charset="0"/>
+                                <a:latin typeface="Cambria Math" charset="0"/>
                               </a:rPr>
                             </m:ctrlPr>
                           </m:sSubPr>
@@ -24849,7 +24861,7 @@
                           <m:sSubPr>
                             <m:ctrlPr>
                               <a:rPr lang="sv-SE" i="1">
-                                <a:latin typeface="Cambria Math" panose="02040503050406030204" pitchFamily="18" charset="0"/>
+                                <a:latin typeface="Cambria Math" charset="0"/>
                               </a:rPr>
                             </m:ctrlPr>
                           </m:sSubPr>
@@ -24890,7 +24902,7 @@
                       <m:sSubPr>
                         <m:ctrlPr>
                           <a:rPr lang="sv-SE" i="1">
-                            <a:latin typeface="Cambria Math" panose="02040503050406030204" pitchFamily="18" charset="0"/>
+                            <a:latin typeface="Cambria Math" charset="0"/>
                           </a:rPr>
                         </m:ctrlPr>
                       </m:sSubPr>
@@ -24900,7 +24912,7 @@
                             <m:chr m:val="̅"/>
                             <m:ctrlPr>
                               <a:rPr lang="sv-SE" i="1">
-                                <a:latin typeface="Cambria Math" panose="02040503050406030204" pitchFamily="18" charset="0"/>
+                                <a:latin typeface="Cambria Math" charset="0"/>
                               </a:rPr>
                             </m:ctrlPr>
                           </m:accPr>
@@ -24945,7 +24957,7 @@
                       <m:sSubPr>
                         <m:ctrlPr>
                           <a:rPr lang="sv-SE" b="0" i="1" smtClean="0">
-                            <a:latin typeface="Cambria Math" panose="02040503050406030204" pitchFamily="18" charset="0"/>
+                            <a:latin typeface="Cambria Math" charset="0"/>
                           </a:rPr>
                         </m:ctrlPr>
                       </m:sSubPr>
@@ -24988,7 +25000,7 @@
                       <m:sSubPr>
                         <m:ctrlPr>
                           <a:rPr lang="sv-SE" b="0" i="1" smtClean="0">
-                            <a:latin typeface="Cambria Math" panose="02040503050406030204" pitchFamily="18" charset="0"/>
+                            <a:latin typeface="Cambria Math" charset="0"/>
                           </a:rPr>
                         </m:ctrlPr>
                       </m:sSubPr>
@@ -25027,7 +25039,7 @@
                       <m:sSubPr>
                         <m:ctrlPr>
                           <a:rPr lang="sv-SE" b="0" i="1" dirty="0" smtClean="0">
-                            <a:latin typeface="Cambria Math" panose="02040503050406030204" pitchFamily="18" charset="0"/>
+                            <a:latin typeface="Cambria Math" charset="0"/>
                           </a:rPr>
                         </m:ctrlPr>
                       </m:sSubPr>
@@ -25037,7 +25049,7 @@
                             <m:chr m:val="̅"/>
                             <m:ctrlPr>
                               <a:rPr lang="sv-SE" b="0" i="1" dirty="0" smtClean="0">
-                                <a:latin typeface="Cambria Math" panose="02040503050406030204" pitchFamily="18" charset="0"/>
+                                <a:latin typeface="Cambria Math" charset="0"/>
                               </a:rPr>
                             </m:ctrlPr>
                           </m:accPr>
@@ -25082,7 +25094,7 @@
                       <m:sSubPr>
                         <m:ctrlPr>
                           <a:rPr lang="sv-SE" b="0" i="1" dirty="0" smtClean="0">
-                            <a:latin typeface="Cambria Math" panose="02040503050406030204" pitchFamily="18" charset="0"/>
+                            <a:latin typeface="Cambria Math" charset="0"/>
                           </a:rPr>
                         </m:ctrlPr>
                       </m:sSubPr>
@@ -25477,7 +25489,7 @@
                       <m:sSubPr>
                         <m:ctrlPr>
                           <a:rPr lang="sv-SE" sz="2000" b="0" i="1" smtClean="0">
-                            <a:latin typeface="Cambria Math" panose="02040503050406030204" pitchFamily="18" charset="0"/>
+                            <a:latin typeface="Cambria Math" charset="0"/>
                           </a:rPr>
                         </m:ctrlPr>
                       </m:sSubPr>
@@ -25508,7 +25520,7 @@
                       <m:fPr>
                         <m:ctrlPr>
                           <a:rPr lang="sv-SE" sz="2000" b="0" i="1" smtClean="0">
-                            <a:latin typeface="Cambria Math" panose="02040503050406030204" pitchFamily="18" charset="0"/>
+                            <a:latin typeface="Cambria Math" charset="0"/>
                           </a:rPr>
                         </m:ctrlPr>
                       </m:fPr>
@@ -25520,7 +25532,7 @@
                                 <a:solidFill>
                                   <a:schemeClr val="tx1"/>
                                 </a:solidFill>
-                                <a:latin typeface="Cambria Math" panose="02040503050406030204" pitchFamily="18" charset="0"/>
+                                <a:latin typeface="Cambria Math" charset="0"/>
                               </a:rPr>
                             </m:ctrlPr>
                           </m:sSubPr>
@@ -25533,7 +25545,7 @@
                                     <a:solidFill>
                                       <a:schemeClr val="tx1"/>
                                     </a:solidFill>
-                                    <a:latin typeface="Cambria Math" panose="02040503050406030204" pitchFamily="18" charset="0"/>
+                                    <a:latin typeface="Cambria Math" charset="0"/>
                                   </a:rPr>
                                 </m:ctrlPr>
                               </m:accPr>
@@ -25578,7 +25590,7 @@
                                 <a:solidFill>
                                   <a:schemeClr val="tx1"/>
                                 </a:solidFill>
-                                <a:latin typeface="Cambria Math" panose="02040503050406030204" pitchFamily="18" charset="0"/>
+                                <a:latin typeface="Cambria Math" charset="0"/>
                               </a:rPr>
                             </m:ctrlPr>
                           </m:sSubPr>
@@ -25591,7 +25603,7 @@
                                     <a:solidFill>
                                       <a:schemeClr val="tx1"/>
                                     </a:solidFill>
-                                    <a:latin typeface="Cambria Math" panose="02040503050406030204" pitchFamily="18" charset="0"/>
+                                    <a:latin typeface="Cambria Math" charset="0"/>
                                   </a:rPr>
                                 </m:ctrlPr>
                               </m:accPr>
@@ -25626,7 +25638,7 @@
                           <m:sSubPr>
                             <m:ctrlPr>
                               <a:rPr lang="sv-SE" sz="2000" b="0" i="1" smtClean="0">
-                                <a:latin typeface="Cambria Math" panose="02040503050406030204" pitchFamily="18" charset="0"/>
+                                <a:latin typeface="Cambria Math" charset="0"/>
                               </a:rPr>
                             </m:ctrlPr>
                           </m:sSubPr>
@@ -25657,7 +25669,7 @@
                           <m:sSubPr>
                             <m:ctrlPr>
                               <a:rPr lang="sv-SE" sz="2000" b="0" i="1" smtClean="0">
-                                <a:latin typeface="Cambria Math" panose="02040503050406030204" pitchFamily="18" charset="0"/>
+                                <a:latin typeface="Cambria Math" charset="0"/>
                               </a:rPr>
                             </m:ctrlPr>
                           </m:sSubPr>
@@ -25688,7 +25700,7 @@
                           <m:sSubPr>
                             <m:ctrlPr>
                               <a:rPr lang="sv-SE" sz="2000" b="0" i="1" smtClean="0">
-                                <a:latin typeface="Cambria Math" panose="02040503050406030204" pitchFamily="18" charset="0"/>
+                                <a:latin typeface="Cambria Math" charset="0"/>
                               </a:rPr>
                             </m:ctrlPr>
                           </m:sSubPr>
@@ -25740,7 +25752,7 @@
                       <m:sSubSupPr>
                         <m:ctrlPr>
                           <a:rPr lang="sv-SE" sz="2000" b="0" i="1" smtClean="0">
-                            <a:latin typeface="Cambria Math" panose="02040503050406030204" pitchFamily="18" charset="0"/>
+                            <a:latin typeface="Cambria Math" charset="0"/>
                           </a:rPr>
                         </m:ctrlPr>
                       </m:sSubSupPr>
@@ -25785,7 +25797,7 @@
                       <m:dPr>
                         <m:ctrlPr>
                           <a:rPr lang="sv-SE" sz="2000" b="0" i="1" smtClean="0">
-                            <a:latin typeface="Cambria Math" panose="02040503050406030204" pitchFamily="18" charset="0"/>
+                            <a:latin typeface="Cambria Math" charset="0"/>
                           </a:rPr>
                         </m:ctrlPr>
                       </m:dPr>
@@ -25794,7 +25806,7 @@
                           <m:sSubPr>
                             <m:ctrlPr>
                               <a:rPr lang="sv-SE" sz="2000" b="0" i="1" smtClean="0">
-                                <a:latin typeface="Cambria Math" panose="02040503050406030204" pitchFamily="18" charset="0"/>
+                                <a:latin typeface="Cambria Math" charset="0"/>
                               </a:rPr>
                             </m:ctrlPr>
                           </m:sSubPr>
@@ -25821,7 +25833,7 @@
                       <m:sSubPr>
                         <m:ctrlPr>
                           <a:rPr lang="sv-SE" sz="2000" b="0" i="1" smtClean="0">
-                            <a:latin typeface="Cambria Math" panose="02040503050406030204" pitchFamily="18" charset="0"/>
+                            <a:latin typeface="Cambria Math" charset="0"/>
                             <a:ea typeface="Cambria Math" panose="02040503050406030204" pitchFamily="18" charset="0"/>
                           </a:rPr>
                         </m:ctrlPr>
@@ -25831,7 +25843,7 @@
                           <m:dPr>
                             <m:ctrlPr>
                               <a:rPr lang="sv-SE" sz="2000" b="0" i="1" smtClean="0">
-                                <a:latin typeface="Cambria Math" panose="02040503050406030204" pitchFamily="18" charset="0"/>
+                                <a:latin typeface="Cambria Math" charset="0"/>
                               </a:rPr>
                             </m:ctrlPr>
                           </m:dPr>
@@ -25842,7 +25854,7 @@
                                 <m:endChr m:val="|"/>
                                 <m:ctrlPr>
                                   <a:rPr lang="sv-SE" sz="2000" b="0" i="1" smtClean="0">
-                                    <a:latin typeface="Cambria Math" panose="02040503050406030204" pitchFamily="18" charset="0"/>
+                                    <a:latin typeface="Cambria Math" charset="0"/>
                                   </a:rPr>
                                 </m:ctrlPr>
                               </m:dPr>
@@ -25851,7 +25863,7 @@
                                   <m:sSubPr>
                                     <m:ctrlPr>
                                       <a:rPr lang="sv-SE" sz="2000" b="0" i="1" smtClean="0">
-                                        <a:latin typeface="Cambria Math" panose="02040503050406030204" pitchFamily="18" charset="0"/>
+                                        <a:latin typeface="Cambria Math" charset="0"/>
                                       </a:rPr>
                                     </m:ctrlPr>
                                   </m:sSubPr>
@@ -25923,7 +25935,7 @@
                       <m:sSubSupPr>
                         <m:ctrlPr>
                           <a:rPr lang="sv-SE" sz="2000" b="0" i="1" smtClean="0">
-                            <a:latin typeface="Cambria Math" panose="02040503050406030204" pitchFamily="18" charset="0"/>
+                            <a:latin typeface="Cambria Math" charset="0"/>
                           </a:rPr>
                         </m:ctrlPr>
                       </m:sSubSupPr>
@@ -25962,7 +25974,7 @@
                       <m:sSubPr>
                         <m:ctrlPr>
                           <a:rPr lang="sv-SE" sz="2000" b="0" i="1" smtClean="0">
-                            <a:latin typeface="Cambria Math" panose="02040503050406030204" pitchFamily="18" charset="0"/>
+                            <a:latin typeface="Cambria Math" charset="0"/>
                           </a:rPr>
                         </m:ctrlPr>
                       </m:sSubPr>
@@ -25972,7 +25984,7 @@
                             <m:chr m:val="̅"/>
                             <m:ctrlPr>
                               <a:rPr lang="sv-SE" sz="2000" b="0" i="1" smtClean="0">
-                                <a:latin typeface="Cambria Math" panose="02040503050406030204" pitchFamily="18" charset="0"/>
+                                <a:latin typeface="Cambria Math" charset="0"/>
                               </a:rPr>
                             </m:ctrlPr>
                           </m:accPr>
@@ -26005,7 +26017,7 @@
                       <m:sSubPr>
                         <m:ctrlPr>
                           <a:rPr lang="sv-SE" sz="2000" b="0" i="1" smtClean="0">
-                            <a:latin typeface="Cambria Math" panose="02040503050406030204" pitchFamily="18" charset="0"/>
+                            <a:latin typeface="Cambria Math" charset="0"/>
                           </a:rPr>
                         </m:ctrlPr>
                       </m:sSubPr>
@@ -26030,7 +26042,7 @@
                       <m:dPr>
                         <m:ctrlPr>
                           <a:rPr lang="sv-SE" sz="2000" b="0" i="1" smtClean="0">
-                            <a:latin typeface="Cambria Math" panose="02040503050406030204" pitchFamily="18" charset="0"/>
+                            <a:latin typeface="Cambria Math" charset="0"/>
                           </a:rPr>
                         </m:ctrlPr>
                       </m:dPr>
@@ -26039,7 +26051,7 @@
                           <m:sSubPr>
                             <m:ctrlPr>
                               <a:rPr lang="sv-SE" sz="2000" b="0" i="1" smtClean="0">
-                                <a:latin typeface="Cambria Math" panose="02040503050406030204" pitchFamily="18" charset="0"/>
+                                <a:latin typeface="Cambria Math" charset="0"/>
                               </a:rPr>
                             </m:ctrlPr>
                           </m:sSubPr>
@@ -26070,7 +26082,7 @@
                           <m:sSubPr>
                             <m:ctrlPr>
                               <a:rPr lang="sv-SE" sz="2000" b="0" i="1" smtClean="0">
-                                <a:latin typeface="Cambria Math" panose="02040503050406030204" pitchFamily="18" charset="0"/>
+                                <a:latin typeface="Cambria Math" charset="0"/>
                               </a:rPr>
                             </m:ctrlPr>
                           </m:sSubPr>
@@ -26097,7 +26109,7 @@
                       <m:sSubSupPr>
                         <m:ctrlPr>
                           <a:rPr lang="sv-SE" sz="2000" b="0" i="1" smtClean="0">
-                            <a:latin typeface="Cambria Math" panose="02040503050406030204" pitchFamily="18" charset="0"/>
+                            <a:latin typeface="Cambria Math" charset="0"/>
                           </a:rPr>
                         </m:ctrlPr>
                       </m:sSubSupPr>
@@ -26339,7 +26351,7 @@
                             <a:solidFill>
                               <a:srgbClr val="00B050"/>
                             </a:solidFill>
-                            <a:latin typeface="Cambria Math" panose="02040503050406030204" pitchFamily="18" charset="0"/>
+                            <a:latin typeface="Cambria Math" charset="0"/>
                           </a:rPr>
                         </m:ctrlPr>
                       </m:sSubSupPr>
@@ -27694,13 +27706,40 @@
 </file>
 
 <file path=customXml/itemProps1.xml><?xml version="1.0" encoding="utf-8"?>
-<ds:datastoreItem xmlns:ds="http://schemas.openxmlformats.org/officeDocument/2006/customXml" ds:itemID="{6201ECEA-DC7C-4193-BEED-7D24C0942DBC}"/>
+<ds:datastoreItem xmlns:ds="http://schemas.openxmlformats.org/officeDocument/2006/customXml" ds:itemID="{6201ECEA-DC7C-4193-BEED-7D24C0942DBC}">
+  <ds:schemaRefs>
+    <ds:schemaRef ds:uri="http://schemas.microsoft.com/office/2006/metadata/contentType"/>
+    <ds:schemaRef ds:uri="http://schemas.microsoft.com/office/2006/metadata/properties/metaAttributes"/>
+    <ds:schemaRef ds:uri="http://www.w3.org/2001/XMLSchema"/>
+    <ds:schemaRef ds:uri="http://schemas.microsoft.com/office/2006/metadata/properties"/>
+    <ds:schemaRef ds:uri="http://schemas.microsoft.com/sharepoint/v3"/>
+    <ds:schemaRef ds:uri="998315eb-6dc9-4088-a79d-d5b4c1cd0daf"/>
+    <ds:schemaRef ds:uri="47fff10c-6cbe-403e-b841-0d0118fc1384"/>
+    <ds:schemaRef ds:uri="http://schemas.microsoft.com/office/2006/documentManagement/types"/>
+    <ds:schemaRef ds:uri="http://schemas.microsoft.com/office/infopath/2007/PartnerControls"/>
+    <ds:schemaRef ds:uri="http://schemas.openxmlformats.org/package/2006/metadata/core-properties"/>
+    <ds:schemaRef ds:uri="http://purl.org/dc/elements/1.1/"/>
+    <ds:schemaRef ds:uri="http://purl.org/dc/terms/"/>
+    <ds:schemaRef ds:uri="http://schemas.microsoft.com/internal/obd"/>
+  </ds:schemaRefs>
+</ds:datastoreItem>
 </file>
 
 <file path=customXml/itemProps2.xml><?xml version="1.0" encoding="utf-8"?>
-<ds:datastoreItem xmlns:ds="http://schemas.openxmlformats.org/officeDocument/2006/customXml" ds:itemID="{FD59A284-A329-4389-85A7-1F37522D5504}"/>
+<ds:datastoreItem xmlns:ds="http://schemas.openxmlformats.org/officeDocument/2006/customXml" ds:itemID="{FD59A284-A329-4389-85A7-1F37522D5504}">
+  <ds:schemaRefs>
+    <ds:schemaRef ds:uri="http://schemas.microsoft.com/sharepoint/v3/contenttype/forms"/>
+  </ds:schemaRefs>
+</ds:datastoreItem>
 </file>
 
 <file path=customXml/itemProps3.xml><?xml version="1.0" encoding="utf-8"?>
-<ds:datastoreItem xmlns:ds="http://schemas.openxmlformats.org/officeDocument/2006/customXml" ds:itemID="{2A8D9A75-0CF7-4F60-8BFE-10FE97B3B77E}"/>
+<ds:datastoreItem xmlns:ds="http://schemas.openxmlformats.org/officeDocument/2006/customXml" ds:itemID="{2A8D9A75-0CF7-4F60-8BFE-10FE97B3B77E}">
+  <ds:schemaRefs>
+    <ds:schemaRef ds:uri="http://schemas.microsoft.com/office/2006/metadata/properties"/>
+    <ds:schemaRef ds:uri="http://schemas.microsoft.com/office/infopath/2007/PartnerControls"/>
+    <ds:schemaRef ds:uri="998315eb-6dc9-4088-a79d-d5b4c1cd0daf"/>
+    <ds:schemaRef ds:uri="http://schemas.microsoft.com/sharepoint/v3"/>
+  </ds:schemaRefs>
+</ds:datastoreItem>
 </file>